--- a/pics/2020-08-05-ROC/pics.pptx
+++ b/pics/2020-08-05-ROC/pics.pptx
@@ -6,6 +6,7 @@
   </p:sldMasterIdLst>
   <p:sldIdLst>
     <p:sldId id="256" r:id="rId2"/>
+    <p:sldId id="257" r:id="rId3"/>
   </p:sldIdLst>
   <p:sldSz cx="12192000" cy="6858000"/>
   <p:notesSz cx="6858000" cy="9144000"/>
@@ -3321,6 +3322,236 @@
           <a:chExt cx="0" cy="0"/>
         </a:xfrm>
       </p:grpSpPr>
+      <p:pic>
+        <p:nvPicPr>
+          <p:cNvPr id="39" name="그림 38">
+            <a:extLst>
+              <a:ext uri="{FF2B5EF4-FFF2-40B4-BE49-F238E27FC236}">
+                <a16:creationId xmlns:a16="http://schemas.microsoft.com/office/drawing/2014/main" id="{30CD348D-CA05-4F90-BABD-5D1EC966DD96}"/>
+              </a:ext>
+            </a:extLst>
+          </p:cNvPr>
+          <p:cNvPicPr>
+            <a:picLocks noChangeAspect="1"/>
+          </p:cNvPicPr>
+          <p:nvPr/>
+        </p:nvPicPr>
+        <p:blipFill>
+          <a:blip r:embed="rId2"/>
+          <a:stretch>
+            <a:fillRect/>
+          </a:stretch>
+        </p:blipFill>
+        <p:spPr>
+          <a:xfrm>
+            <a:off x="1392814" y="314961"/>
+            <a:ext cx="9406372" cy="6085838"/>
+          </a:xfrm>
+          <a:prstGeom prst="rect">
+            <a:avLst/>
+          </a:prstGeom>
+        </p:spPr>
+      </p:pic>
+      <p:sp>
+        <p:nvSpPr>
+          <p:cNvPr id="40" name="화살표: 아래쪽 39">
+            <a:extLst>
+              <a:ext uri="{FF2B5EF4-FFF2-40B4-BE49-F238E27FC236}">
+                <a16:creationId xmlns:a16="http://schemas.microsoft.com/office/drawing/2014/main" id="{C636919F-70AE-4516-AD5E-5AF6D5513E9D}"/>
+              </a:ext>
+            </a:extLst>
+          </p:cNvPr>
+          <p:cNvSpPr/>
+          <p:nvPr/>
+        </p:nvSpPr>
+        <p:spPr>
+          <a:xfrm rot="8146898">
+            <a:off x="5012975" y="1526409"/>
+            <a:ext cx="866544" cy="1985957"/>
+          </a:xfrm>
+          <a:prstGeom prst="downArrow">
+            <a:avLst/>
+          </a:prstGeom>
+          <a:solidFill>
+            <a:schemeClr val="accent2">
+              <a:alpha val="54000"/>
+            </a:schemeClr>
+          </a:solidFill>
+          <a:ln>
+            <a:noFill/>
+          </a:ln>
+        </p:spPr>
+        <p:style>
+          <a:lnRef idx="2">
+            <a:schemeClr val="accent1">
+              <a:shade val="50000"/>
+            </a:schemeClr>
+          </a:lnRef>
+          <a:fillRef idx="1">
+            <a:schemeClr val="accent1"/>
+          </a:fillRef>
+          <a:effectRef idx="0">
+            <a:schemeClr val="accent1"/>
+          </a:effectRef>
+          <a:fontRef idx="minor">
+            <a:schemeClr val="lt1"/>
+          </a:fontRef>
+        </p:style>
+        <p:txBody>
+          <a:bodyPr rtlCol="0" anchor="ctr"/>
+          <a:lstStyle/>
+          <a:p>
+            <a:pPr algn="ctr"/>
+            <a:endParaRPr lang="ko-KR" altLang="en-US"/>
+          </a:p>
+        </p:txBody>
+      </p:sp>
+      <p:sp>
+        <p:nvSpPr>
+          <p:cNvPr id="41" name="TextBox 40">
+            <a:extLst>
+              <a:ext uri="{FF2B5EF4-FFF2-40B4-BE49-F238E27FC236}">
+                <a16:creationId xmlns:a16="http://schemas.microsoft.com/office/drawing/2014/main" id="{5AE765D6-3153-461F-8CE0-F860ABEF7768}"/>
+              </a:ext>
+            </a:extLst>
+          </p:cNvPr>
+          <p:cNvSpPr txBox="1"/>
+          <p:nvPr/>
+        </p:nvSpPr>
+        <p:spPr>
+          <a:xfrm>
+            <a:off x="6342832" y="3357880"/>
+            <a:ext cx="2137124" cy="1200329"/>
+          </a:xfrm>
+          <a:prstGeom prst="rect">
+            <a:avLst/>
+          </a:prstGeom>
+          <a:solidFill>
+            <a:schemeClr val="bg1"/>
+          </a:solidFill>
+          <a:ln>
+            <a:solidFill>
+              <a:schemeClr val="tx1"/>
+            </a:solidFill>
+          </a:ln>
+        </p:spPr>
+        <p:txBody>
+          <a:bodyPr wrap="none" rtlCol="0">
+            <a:spAutoFit/>
+          </a:bodyPr>
+          <a:lstStyle/>
+          <a:p>
+            <a:pPr algn="ctr"/>
+            <a:r>
+              <a:rPr lang="en-US" altLang="ko-KR" dirty="0">
+                <a:latin typeface="KoPub돋움체 Medium" panose="00000600000000000000" pitchFamily="2" charset="-127"/>
+                <a:ea typeface="KoPub돋움체 Medium" panose="00000600000000000000" pitchFamily="2" charset="-127"/>
+              </a:rPr>
+              <a:t>[</a:t>
+            </a:r>
+            <a:r>
+              <a:rPr lang="ko-KR" altLang="en-US" dirty="0">
+                <a:latin typeface="KoPub돋움체 Medium" panose="00000600000000000000" pitchFamily="2" charset="-127"/>
+                <a:ea typeface="KoPub돋움체 Medium" panose="00000600000000000000" pitchFamily="2" charset="-127"/>
+              </a:rPr>
+              <a:t>☆ 핵심 ☆</a:t>
+            </a:r>
+            <a:r>
+              <a:rPr lang="en-US" altLang="ko-KR" dirty="0">
+                <a:latin typeface="KoPub돋움체 Medium" panose="00000600000000000000" pitchFamily="2" charset="-127"/>
+                <a:ea typeface="KoPub돋움체 Medium" panose="00000600000000000000" pitchFamily="2" charset="-127"/>
+              </a:rPr>
+              <a:t>]</a:t>
+            </a:r>
+          </a:p>
+          <a:p>
+            <a:pPr algn="ctr"/>
+            <a:r>
+              <a:rPr lang="ko-KR" altLang="en-US" dirty="0">
+                <a:latin typeface="KoPub돋움체 Medium" panose="00000600000000000000" pitchFamily="2" charset="-127"/>
+                <a:ea typeface="KoPub돋움체 Medium" panose="00000600000000000000" pitchFamily="2" charset="-127"/>
+              </a:rPr>
+              <a:t>좌상단으로 붙어있는 </a:t>
+            </a:r>
+            <a:endParaRPr lang="en-US" altLang="ko-KR" dirty="0">
+              <a:latin typeface="KoPub돋움체 Medium" panose="00000600000000000000" pitchFamily="2" charset="-127"/>
+              <a:ea typeface="KoPub돋움체 Medium" panose="00000600000000000000" pitchFamily="2" charset="-127"/>
+            </a:endParaRPr>
+          </a:p>
+          <a:p>
+            <a:pPr algn="ctr"/>
+            <a:r>
+              <a:rPr lang="en-US" altLang="ko-KR" dirty="0">
+                <a:latin typeface="KoPub돋움체 Medium" panose="00000600000000000000" pitchFamily="2" charset="-127"/>
+                <a:ea typeface="KoPub돋움체 Medium" panose="00000600000000000000" pitchFamily="2" charset="-127"/>
+              </a:rPr>
+              <a:t>ROC </a:t>
+            </a:r>
+            <a:r>
+              <a:rPr lang="ko-KR" altLang="en-US" dirty="0">
+                <a:latin typeface="KoPub돋움체 Medium" panose="00000600000000000000" pitchFamily="2" charset="-127"/>
+                <a:ea typeface="KoPub돋움체 Medium" panose="00000600000000000000" pitchFamily="2" charset="-127"/>
+              </a:rPr>
+              <a:t>커브일 수록</a:t>
+            </a:r>
+            <a:endParaRPr lang="en-US" altLang="ko-KR" dirty="0">
+              <a:latin typeface="KoPub돋움체 Medium" panose="00000600000000000000" pitchFamily="2" charset="-127"/>
+              <a:ea typeface="KoPub돋움체 Medium" panose="00000600000000000000" pitchFamily="2" charset="-127"/>
+            </a:endParaRPr>
+          </a:p>
+          <a:p>
+            <a:pPr algn="ctr"/>
+            <a:r>
+              <a:rPr lang="ko-KR" altLang="en-US" dirty="0">
+                <a:latin typeface="KoPub돋움체 Medium" panose="00000600000000000000" pitchFamily="2" charset="-127"/>
+                <a:ea typeface="KoPub돋움체 Medium" panose="00000600000000000000" pitchFamily="2" charset="-127"/>
+              </a:rPr>
+              <a:t>더 좋은 이진분류기</a:t>
+            </a:r>
+            <a:r>
+              <a:rPr lang="en-US" altLang="ko-KR" dirty="0">
+                <a:latin typeface="KoPub돋움체 Medium" panose="00000600000000000000" pitchFamily="2" charset="-127"/>
+                <a:ea typeface="KoPub돋움체 Medium" panose="00000600000000000000" pitchFamily="2" charset="-127"/>
+              </a:rPr>
+              <a:t>!</a:t>
+            </a:r>
+            <a:endParaRPr lang="ko-KR" altLang="en-US" dirty="0">
+              <a:latin typeface="KoPub돋움체 Medium" panose="00000600000000000000" pitchFamily="2" charset="-127"/>
+              <a:ea typeface="KoPub돋움체 Medium" panose="00000600000000000000" pitchFamily="2" charset="-127"/>
+            </a:endParaRPr>
+          </a:p>
+        </p:txBody>
+      </p:sp>
+    </p:spTree>
+    <p:extLst>
+      <p:ext uri="{BB962C8B-B14F-4D97-AF65-F5344CB8AC3E}">
+        <p14:creationId xmlns:p14="http://schemas.microsoft.com/office/powerpoint/2010/main" val="2900096345"/>
+      </p:ext>
+    </p:extLst>
+  </p:cSld>
+  <p:clrMapOvr>
+    <a:masterClrMapping/>
+  </p:clrMapOvr>
+</p:sld>
+</file>
+
+<file path=ppt/slides/slide2.xml><?xml version="1.0" encoding="utf-8"?>
+<p:sld xmlns:a="http://schemas.openxmlformats.org/drawingml/2006/main" xmlns:r="http://schemas.openxmlformats.org/officeDocument/2006/relationships" xmlns:p="http://schemas.openxmlformats.org/presentationml/2006/main">
+  <p:cSld>
+    <p:spTree>
+      <p:nvGrpSpPr>
+        <p:cNvPr id="1" name=""/>
+        <p:cNvGrpSpPr/>
+        <p:nvPr/>
+      </p:nvGrpSpPr>
+      <p:grpSpPr>
+        <a:xfrm>
+          <a:off x="0" y="0"/>
+          <a:ext cx="0" cy="0"/>
+          <a:chOff x="0" y="0"/>
+          <a:chExt cx="0" cy="0"/>
+        </a:xfrm>
+      </p:grpSpPr>
       <p:sp>
         <p:nvSpPr>
           <p:cNvPr id="30" name="원호 29">
@@ -4224,7 +4455,7 @@
     </p:spTree>
     <p:extLst>
       <p:ext uri="{BB962C8B-B14F-4D97-AF65-F5344CB8AC3E}">
-        <p14:creationId xmlns:p14="http://schemas.microsoft.com/office/powerpoint/2010/main" val="2900096345"/>
+        <p14:creationId xmlns:p14="http://schemas.microsoft.com/office/powerpoint/2010/main" val="3889586777"/>
       </p:ext>
     </p:extLst>
   </p:cSld>

--- a/pics/2020-08-05-ROC/pics.pptx
+++ b/pics/2020-08-05-ROC/pics.pptx
@@ -105,6 +105,11 @@
       </a:defRPr>
     </a:lvl9pPr>
   </p:defaultTextStyle>
+  <p:extLst>
+    <p:ext uri="{EFAFB233-063F-42B5-8137-9DF3F51BA10A}">
+      <p15:sldGuideLst xmlns:p15="http://schemas.microsoft.com/office/powerpoint/2012/main"/>
+    </p:ext>
+  </p:extLst>
 </p:presentation>
 </file>
 
@@ -255,7 +260,7 @@
           <a:p>
             <a:fld id="{4867D6D7-C105-4BD2-AF78-853AE09D28DB}" type="datetimeFigureOut">
               <a:rPr lang="ko-KR" altLang="en-US" smtClean="0"/>
-              <a:t>2020-08-15</a:t>
+              <a:t>2020-08-16</a:t>
             </a:fld>
             <a:endParaRPr lang="ko-KR" altLang="en-US"/>
           </a:p>
@@ -453,7 +458,7 @@
           <a:p>
             <a:fld id="{4867D6D7-C105-4BD2-AF78-853AE09D28DB}" type="datetimeFigureOut">
               <a:rPr lang="ko-KR" altLang="en-US" smtClean="0"/>
-              <a:t>2020-08-15</a:t>
+              <a:t>2020-08-16</a:t>
             </a:fld>
             <a:endParaRPr lang="ko-KR" altLang="en-US"/>
           </a:p>
@@ -661,7 +666,7 @@
           <a:p>
             <a:fld id="{4867D6D7-C105-4BD2-AF78-853AE09D28DB}" type="datetimeFigureOut">
               <a:rPr lang="ko-KR" altLang="en-US" smtClean="0"/>
-              <a:t>2020-08-15</a:t>
+              <a:t>2020-08-16</a:t>
             </a:fld>
             <a:endParaRPr lang="ko-KR" altLang="en-US"/>
           </a:p>
@@ -859,7 +864,7 @@
           <a:p>
             <a:fld id="{4867D6D7-C105-4BD2-AF78-853AE09D28DB}" type="datetimeFigureOut">
               <a:rPr lang="ko-KR" altLang="en-US" smtClean="0"/>
-              <a:t>2020-08-15</a:t>
+              <a:t>2020-08-16</a:t>
             </a:fld>
             <a:endParaRPr lang="ko-KR" altLang="en-US"/>
           </a:p>
@@ -1134,7 +1139,7 @@
           <a:p>
             <a:fld id="{4867D6D7-C105-4BD2-AF78-853AE09D28DB}" type="datetimeFigureOut">
               <a:rPr lang="ko-KR" altLang="en-US" smtClean="0"/>
-              <a:t>2020-08-15</a:t>
+              <a:t>2020-08-16</a:t>
             </a:fld>
             <a:endParaRPr lang="ko-KR" altLang="en-US"/>
           </a:p>
@@ -1399,7 +1404,7 @@
           <a:p>
             <a:fld id="{4867D6D7-C105-4BD2-AF78-853AE09D28DB}" type="datetimeFigureOut">
               <a:rPr lang="ko-KR" altLang="en-US" smtClean="0"/>
-              <a:t>2020-08-15</a:t>
+              <a:t>2020-08-16</a:t>
             </a:fld>
             <a:endParaRPr lang="ko-KR" altLang="en-US"/>
           </a:p>
@@ -1811,7 +1816,7 @@
           <a:p>
             <a:fld id="{4867D6D7-C105-4BD2-AF78-853AE09D28DB}" type="datetimeFigureOut">
               <a:rPr lang="ko-KR" altLang="en-US" smtClean="0"/>
-              <a:t>2020-08-15</a:t>
+              <a:t>2020-08-16</a:t>
             </a:fld>
             <a:endParaRPr lang="ko-KR" altLang="en-US"/>
           </a:p>
@@ -1952,7 +1957,7 @@
           <a:p>
             <a:fld id="{4867D6D7-C105-4BD2-AF78-853AE09D28DB}" type="datetimeFigureOut">
               <a:rPr lang="ko-KR" altLang="en-US" smtClean="0"/>
-              <a:t>2020-08-15</a:t>
+              <a:t>2020-08-16</a:t>
             </a:fld>
             <a:endParaRPr lang="ko-KR" altLang="en-US"/>
           </a:p>
@@ -2065,7 +2070,7 @@
           <a:p>
             <a:fld id="{4867D6D7-C105-4BD2-AF78-853AE09D28DB}" type="datetimeFigureOut">
               <a:rPr lang="ko-KR" altLang="en-US" smtClean="0"/>
-              <a:t>2020-08-15</a:t>
+              <a:t>2020-08-16</a:t>
             </a:fld>
             <a:endParaRPr lang="ko-KR" altLang="en-US"/>
           </a:p>
@@ -2376,7 +2381,7 @@
           <a:p>
             <a:fld id="{4867D6D7-C105-4BD2-AF78-853AE09D28DB}" type="datetimeFigureOut">
               <a:rPr lang="ko-KR" altLang="en-US" smtClean="0"/>
-              <a:t>2020-08-15</a:t>
+              <a:t>2020-08-16</a:t>
             </a:fld>
             <a:endParaRPr lang="ko-KR" altLang="en-US"/>
           </a:p>
@@ -2664,7 +2669,7 @@
           <a:p>
             <a:fld id="{4867D6D7-C105-4BD2-AF78-853AE09D28DB}" type="datetimeFigureOut">
               <a:rPr lang="ko-KR" altLang="en-US" smtClean="0"/>
-              <a:t>2020-08-15</a:t>
+              <a:t>2020-08-16</a:t>
             </a:fld>
             <a:endParaRPr lang="ko-KR" altLang="en-US"/>
           </a:p>
@@ -2905,7 +2910,7 @@
           <a:p>
             <a:fld id="{4867D6D7-C105-4BD2-AF78-853AE09D28DB}" type="datetimeFigureOut">
               <a:rPr lang="ko-KR" altLang="en-US" smtClean="0"/>
-              <a:t>2020-08-15</a:t>
+              <a:t>2020-08-16</a:t>
             </a:fld>
             <a:endParaRPr lang="ko-KR" altLang="en-US"/>
           </a:p>
@@ -4424,7 +4429,21 @@
           <a:p>
             <a:r>
               <a:rPr lang="ko-KR" altLang="en-US" sz="2000" b="1" dirty="0"/>
-              <a:t>② </a:t>
+              <a:t>②</a:t>
+            </a:r>
+            <a:r>
+              <a:rPr lang="ko-KR" altLang="en-US" sz="2000" dirty="0"/>
+              <a:t> 현 위의 점의 의미는 무엇인가</a:t>
+            </a:r>
+            <a:r>
+              <a:rPr lang="en-US" altLang="ko-KR" sz="2000" dirty="0"/>
+              <a:t>?</a:t>
+            </a:r>
+          </a:p>
+          <a:p>
+            <a:r>
+              <a:rPr lang="ko-KR" altLang="en-US" sz="2000" b="1" dirty="0"/>
+              <a:t>③ </a:t>
             </a:r>
             <a:r>
               <a:rPr lang="ko-KR" altLang="en-US" sz="2000" dirty="0"/>
@@ -4434,21 +4453,6 @@
               <a:rPr lang="en-US" altLang="ko-KR" sz="2000" dirty="0"/>
               <a:t>?</a:t>
             </a:r>
-          </a:p>
-          <a:p>
-            <a:r>
-              <a:rPr lang="ko-KR" altLang="en-US" sz="2000" b="1" dirty="0"/>
-              <a:t>③</a:t>
-            </a:r>
-            <a:r>
-              <a:rPr lang="ko-KR" altLang="en-US" sz="2000" dirty="0"/>
-              <a:t> 현 위의 점의 의미는 무엇인가</a:t>
-            </a:r>
-            <a:r>
-              <a:rPr lang="en-US" altLang="ko-KR" sz="2000" dirty="0"/>
-              <a:t>?</a:t>
-            </a:r>
-            <a:endParaRPr lang="ko-KR" altLang="en-US" sz="2000" dirty="0"/>
           </a:p>
         </p:txBody>
       </p:sp>

--- a/pics/2020-08-05-ROC/pics.pptx
+++ b/pics/2020-08-05-ROC/pics.pptx
@@ -260,7 +260,7 @@
           <a:p>
             <a:fld id="{4867D6D7-C105-4BD2-AF78-853AE09D28DB}" type="datetimeFigureOut">
               <a:rPr lang="ko-KR" altLang="en-US" smtClean="0"/>
-              <a:t>2020-08-16</a:t>
+              <a:t>2020-08-22</a:t>
             </a:fld>
             <a:endParaRPr lang="ko-KR" altLang="en-US"/>
           </a:p>
@@ -458,7 +458,7 @@
           <a:p>
             <a:fld id="{4867D6D7-C105-4BD2-AF78-853AE09D28DB}" type="datetimeFigureOut">
               <a:rPr lang="ko-KR" altLang="en-US" smtClean="0"/>
-              <a:t>2020-08-16</a:t>
+              <a:t>2020-08-22</a:t>
             </a:fld>
             <a:endParaRPr lang="ko-KR" altLang="en-US"/>
           </a:p>
@@ -666,7 +666,7 @@
           <a:p>
             <a:fld id="{4867D6D7-C105-4BD2-AF78-853AE09D28DB}" type="datetimeFigureOut">
               <a:rPr lang="ko-KR" altLang="en-US" smtClean="0"/>
-              <a:t>2020-08-16</a:t>
+              <a:t>2020-08-22</a:t>
             </a:fld>
             <a:endParaRPr lang="ko-KR" altLang="en-US"/>
           </a:p>
@@ -864,7 +864,7 @@
           <a:p>
             <a:fld id="{4867D6D7-C105-4BD2-AF78-853AE09D28DB}" type="datetimeFigureOut">
               <a:rPr lang="ko-KR" altLang="en-US" smtClean="0"/>
-              <a:t>2020-08-16</a:t>
+              <a:t>2020-08-22</a:t>
             </a:fld>
             <a:endParaRPr lang="ko-KR" altLang="en-US"/>
           </a:p>
@@ -1139,7 +1139,7 @@
           <a:p>
             <a:fld id="{4867D6D7-C105-4BD2-AF78-853AE09D28DB}" type="datetimeFigureOut">
               <a:rPr lang="ko-KR" altLang="en-US" smtClean="0"/>
-              <a:t>2020-08-16</a:t>
+              <a:t>2020-08-22</a:t>
             </a:fld>
             <a:endParaRPr lang="ko-KR" altLang="en-US"/>
           </a:p>
@@ -1404,7 +1404,7 @@
           <a:p>
             <a:fld id="{4867D6D7-C105-4BD2-AF78-853AE09D28DB}" type="datetimeFigureOut">
               <a:rPr lang="ko-KR" altLang="en-US" smtClean="0"/>
-              <a:t>2020-08-16</a:t>
+              <a:t>2020-08-22</a:t>
             </a:fld>
             <a:endParaRPr lang="ko-KR" altLang="en-US"/>
           </a:p>
@@ -1816,7 +1816,7 @@
           <a:p>
             <a:fld id="{4867D6D7-C105-4BD2-AF78-853AE09D28DB}" type="datetimeFigureOut">
               <a:rPr lang="ko-KR" altLang="en-US" smtClean="0"/>
-              <a:t>2020-08-16</a:t>
+              <a:t>2020-08-22</a:t>
             </a:fld>
             <a:endParaRPr lang="ko-KR" altLang="en-US"/>
           </a:p>
@@ -1957,7 +1957,7 @@
           <a:p>
             <a:fld id="{4867D6D7-C105-4BD2-AF78-853AE09D28DB}" type="datetimeFigureOut">
               <a:rPr lang="ko-KR" altLang="en-US" smtClean="0"/>
-              <a:t>2020-08-16</a:t>
+              <a:t>2020-08-22</a:t>
             </a:fld>
             <a:endParaRPr lang="ko-KR" altLang="en-US"/>
           </a:p>
@@ -2070,7 +2070,7 @@
           <a:p>
             <a:fld id="{4867D6D7-C105-4BD2-AF78-853AE09D28DB}" type="datetimeFigureOut">
               <a:rPr lang="ko-KR" altLang="en-US" smtClean="0"/>
-              <a:t>2020-08-16</a:t>
+              <a:t>2020-08-22</a:t>
             </a:fld>
             <a:endParaRPr lang="ko-KR" altLang="en-US"/>
           </a:p>
@@ -2381,7 +2381,7 @@
           <a:p>
             <a:fld id="{4867D6D7-C105-4BD2-AF78-853AE09D28DB}" type="datetimeFigureOut">
               <a:rPr lang="ko-KR" altLang="en-US" smtClean="0"/>
-              <a:t>2020-08-16</a:t>
+              <a:t>2020-08-22</a:t>
             </a:fld>
             <a:endParaRPr lang="ko-KR" altLang="en-US"/>
           </a:p>
@@ -2669,7 +2669,7 @@
           <a:p>
             <a:fld id="{4867D6D7-C105-4BD2-AF78-853AE09D28DB}" type="datetimeFigureOut">
               <a:rPr lang="ko-KR" altLang="en-US" smtClean="0"/>
-              <a:t>2020-08-16</a:t>
+              <a:t>2020-08-22</a:t>
             </a:fld>
             <a:endParaRPr lang="ko-KR" altLang="en-US"/>
           </a:p>
@@ -2910,7 +2910,7 @@
           <a:p>
             <a:fld id="{4867D6D7-C105-4BD2-AF78-853AE09D28DB}" type="datetimeFigureOut">
               <a:rPr lang="ko-KR" altLang="en-US" smtClean="0"/>
-              <a:t>2020-08-16</a:t>
+              <a:t>2020-08-22</a:t>
             </a:fld>
             <a:endParaRPr lang="ko-KR" altLang="en-US"/>
           </a:p>
@@ -4287,7 +4287,7 @@
           <a:p>
             <a:r>
               <a:rPr lang="ko-KR" altLang="en-US" sz="2800" b="1" dirty="0"/>
-              <a:t>②</a:t>
+              <a:t>③</a:t>
             </a:r>
           </a:p>
         </p:txBody>
@@ -4322,7 +4322,7 @@
           <a:p>
             <a:r>
               <a:rPr lang="ko-KR" altLang="en-US" sz="2800" b="1" dirty="0"/>
-              <a:t>③</a:t>
+              <a:t>②</a:t>
             </a:r>
           </a:p>
         </p:txBody>

--- a/pics/2020-08-05-ROC/pics.pptx
+++ b/pics/2020-08-05-ROC/pics.pptx
@@ -6,7 +6,11 @@
   </p:sldMasterIdLst>
   <p:sldIdLst>
     <p:sldId id="256" r:id="rId2"/>
-    <p:sldId id="257" r:id="rId3"/>
+    <p:sldId id="258" r:id="rId3"/>
+    <p:sldId id="257" r:id="rId4"/>
+    <p:sldId id="259" r:id="rId5"/>
+    <p:sldId id="298" r:id="rId6"/>
+    <p:sldId id="299" r:id="rId7"/>
   </p:sldIdLst>
   <p:sldSz cx="12192000" cy="6858000"/>
   <p:notesSz cx="6858000" cy="9144000"/>
@@ -260,7 +264,7 @@
           <a:p>
             <a:fld id="{4867D6D7-C105-4BD2-AF78-853AE09D28DB}" type="datetimeFigureOut">
               <a:rPr lang="ko-KR" altLang="en-US" smtClean="0"/>
-              <a:t>2020-08-22</a:t>
+              <a:t>2023-04-25</a:t>
             </a:fld>
             <a:endParaRPr lang="ko-KR" altLang="en-US"/>
           </a:p>
@@ -458,7 +462,7 @@
           <a:p>
             <a:fld id="{4867D6D7-C105-4BD2-AF78-853AE09D28DB}" type="datetimeFigureOut">
               <a:rPr lang="ko-KR" altLang="en-US" smtClean="0"/>
-              <a:t>2020-08-22</a:t>
+              <a:t>2023-04-25</a:t>
             </a:fld>
             <a:endParaRPr lang="ko-KR" altLang="en-US"/>
           </a:p>
@@ -666,7 +670,7 @@
           <a:p>
             <a:fld id="{4867D6D7-C105-4BD2-AF78-853AE09D28DB}" type="datetimeFigureOut">
               <a:rPr lang="ko-KR" altLang="en-US" smtClean="0"/>
-              <a:t>2020-08-22</a:t>
+              <a:t>2023-04-25</a:t>
             </a:fld>
             <a:endParaRPr lang="ko-KR" altLang="en-US"/>
           </a:p>
@@ -864,7 +868,7 @@
           <a:p>
             <a:fld id="{4867D6D7-C105-4BD2-AF78-853AE09D28DB}" type="datetimeFigureOut">
               <a:rPr lang="ko-KR" altLang="en-US" smtClean="0"/>
-              <a:t>2020-08-22</a:t>
+              <a:t>2023-04-25</a:t>
             </a:fld>
             <a:endParaRPr lang="ko-KR" altLang="en-US"/>
           </a:p>
@@ -1139,7 +1143,7 @@
           <a:p>
             <a:fld id="{4867D6D7-C105-4BD2-AF78-853AE09D28DB}" type="datetimeFigureOut">
               <a:rPr lang="ko-KR" altLang="en-US" smtClean="0"/>
-              <a:t>2020-08-22</a:t>
+              <a:t>2023-04-25</a:t>
             </a:fld>
             <a:endParaRPr lang="ko-KR" altLang="en-US"/>
           </a:p>
@@ -1404,7 +1408,7 @@
           <a:p>
             <a:fld id="{4867D6D7-C105-4BD2-AF78-853AE09D28DB}" type="datetimeFigureOut">
               <a:rPr lang="ko-KR" altLang="en-US" smtClean="0"/>
-              <a:t>2020-08-22</a:t>
+              <a:t>2023-04-25</a:t>
             </a:fld>
             <a:endParaRPr lang="ko-KR" altLang="en-US"/>
           </a:p>
@@ -1816,7 +1820,7 @@
           <a:p>
             <a:fld id="{4867D6D7-C105-4BD2-AF78-853AE09D28DB}" type="datetimeFigureOut">
               <a:rPr lang="ko-KR" altLang="en-US" smtClean="0"/>
-              <a:t>2020-08-22</a:t>
+              <a:t>2023-04-25</a:t>
             </a:fld>
             <a:endParaRPr lang="ko-KR" altLang="en-US"/>
           </a:p>
@@ -1957,7 +1961,7 @@
           <a:p>
             <a:fld id="{4867D6D7-C105-4BD2-AF78-853AE09D28DB}" type="datetimeFigureOut">
               <a:rPr lang="ko-KR" altLang="en-US" smtClean="0"/>
-              <a:t>2020-08-22</a:t>
+              <a:t>2023-04-25</a:t>
             </a:fld>
             <a:endParaRPr lang="ko-KR" altLang="en-US"/>
           </a:p>
@@ -2070,7 +2074,7 @@
           <a:p>
             <a:fld id="{4867D6D7-C105-4BD2-AF78-853AE09D28DB}" type="datetimeFigureOut">
               <a:rPr lang="ko-KR" altLang="en-US" smtClean="0"/>
-              <a:t>2020-08-22</a:t>
+              <a:t>2023-04-25</a:t>
             </a:fld>
             <a:endParaRPr lang="ko-KR" altLang="en-US"/>
           </a:p>
@@ -2381,7 +2385,7 @@
           <a:p>
             <a:fld id="{4867D6D7-C105-4BD2-AF78-853AE09D28DB}" type="datetimeFigureOut">
               <a:rPr lang="ko-KR" altLang="en-US" smtClean="0"/>
-              <a:t>2020-08-22</a:t>
+              <a:t>2023-04-25</a:t>
             </a:fld>
             <a:endParaRPr lang="ko-KR" altLang="en-US"/>
           </a:p>
@@ -2669,7 +2673,7 @@
           <a:p>
             <a:fld id="{4867D6D7-C105-4BD2-AF78-853AE09D28DB}" type="datetimeFigureOut">
               <a:rPr lang="ko-KR" altLang="en-US" smtClean="0"/>
-              <a:t>2020-08-22</a:t>
+              <a:t>2023-04-25</a:t>
             </a:fld>
             <a:endParaRPr lang="ko-KR" altLang="en-US"/>
           </a:p>
@@ -2910,7 +2914,7 @@
           <a:p>
             <a:fld id="{4867D6D7-C105-4BD2-AF78-853AE09D28DB}" type="datetimeFigureOut">
               <a:rPr lang="ko-KR" altLang="en-US" smtClean="0"/>
-              <a:t>2020-08-22</a:t>
+              <a:t>2023-04-25</a:t>
             </a:fld>
             <a:endParaRPr lang="ko-KR" altLang="en-US"/>
           </a:p>
@@ -3557,6 +3561,200 @@
           <a:chExt cx="0" cy="0"/>
         </a:xfrm>
       </p:grpSpPr>
+      <p:pic>
+        <p:nvPicPr>
+          <p:cNvPr id="39" name="그림 38">
+            <a:extLst>
+              <a:ext uri="{FF2B5EF4-FFF2-40B4-BE49-F238E27FC236}">
+                <a16:creationId xmlns:a16="http://schemas.microsoft.com/office/drawing/2014/main" id="{30CD348D-CA05-4F90-BABD-5D1EC966DD96}"/>
+              </a:ext>
+            </a:extLst>
+          </p:cNvPr>
+          <p:cNvPicPr>
+            <a:picLocks noChangeAspect="1"/>
+          </p:cNvPicPr>
+          <p:nvPr/>
+        </p:nvPicPr>
+        <p:blipFill>
+          <a:blip r:embed="rId2"/>
+          <a:stretch>
+            <a:fillRect/>
+          </a:stretch>
+        </p:blipFill>
+        <p:spPr>
+          <a:xfrm>
+            <a:off x="1392814" y="314961"/>
+            <a:ext cx="9406372" cy="6085838"/>
+          </a:xfrm>
+          <a:prstGeom prst="rect">
+            <a:avLst/>
+          </a:prstGeom>
+        </p:spPr>
+      </p:pic>
+      <p:sp>
+        <p:nvSpPr>
+          <p:cNvPr id="40" name="화살표: 아래쪽 39">
+            <a:extLst>
+              <a:ext uri="{FF2B5EF4-FFF2-40B4-BE49-F238E27FC236}">
+                <a16:creationId xmlns:a16="http://schemas.microsoft.com/office/drawing/2014/main" id="{C636919F-70AE-4516-AD5E-5AF6D5513E9D}"/>
+              </a:ext>
+            </a:extLst>
+          </p:cNvPr>
+          <p:cNvSpPr/>
+          <p:nvPr/>
+        </p:nvSpPr>
+        <p:spPr>
+          <a:xfrm rot="8146898">
+            <a:off x="5012975" y="1526409"/>
+            <a:ext cx="866544" cy="1985957"/>
+          </a:xfrm>
+          <a:prstGeom prst="downArrow">
+            <a:avLst/>
+          </a:prstGeom>
+          <a:solidFill>
+            <a:schemeClr val="accent2">
+              <a:alpha val="54000"/>
+            </a:schemeClr>
+          </a:solidFill>
+          <a:ln>
+            <a:noFill/>
+          </a:ln>
+        </p:spPr>
+        <p:style>
+          <a:lnRef idx="2">
+            <a:schemeClr val="accent1">
+              <a:shade val="50000"/>
+            </a:schemeClr>
+          </a:lnRef>
+          <a:fillRef idx="1">
+            <a:schemeClr val="accent1"/>
+          </a:fillRef>
+          <a:effectRef idx="0">
+            <a:schemeClr val="accent1"/>
+          </a:effectRef>
+          <a:fontRef idx="minor">
+            <a:schemeClr val="lt1"/>
+          </a:fontRef>
+        </p:style>
+        <p:txBody>
+          <a:bodyPr rtlCol="0" anchor="ctr"/>
+          <a:lstStyle/>
+          <a:p>
+            <a:pPr algn="ctr"/>
+            <a:endParaRPr lang="ko-KR" altLang="en-US"/>
+          </a:p>
+        </p:txBody>
+      </p:sp>
+      <p:sp>
+        <p:nvSpPr>
+          <p:cNvPr id="41" name="TextBox 40">
+            <a:extLst>
+              <a:ext uri="{FF2B5EF4-FFF2-40B4-BE49-F238E27FC236}">
+                <a16:creationId xmlns:a16="http://schemas.microsoft.com/office/drawing/2014/main" id="{5AE765D6-3153-461F-8CE0-F860ABEF7768}"/>
+              </a:ext>
+            </a:extLst>
+          </p:cNvPr>
+          <p:cNvSpPr txBox="1"/>
+          <p:nvPr/>
+        </p:nvSpPr>
+        <p:spPr>
+          <a:xfrm>
+            <a:off x="5446247" y="3466944"/>
+            <a:ext cx="3379323" cy="1200329"/>
+          </a:xfrm>
+          <a:prstGeom prst="rect">
+            <a:avLst/>
+          </a:prstGeom>
+          <a:solidFill>
+            <a:schemeClr val="bg1"/>
+          </a:solidFill>
+          <a:ln>
+            <a:solidFill>
+              <a:schemeClr val="tx1"/>
+            </a:solidFill>
+          </a:ln>
+        </p:spPr>
+        <p:txBody>
+          <a:bodyPr wrap="none" rtlCol="0">
+            <a:spAutoFit/>
+          </a:bodyPr>
+          <a:lstStyle/>
+          <a:p>
+            <a:pPr algn="ctr"/>
+            <a:r>
+              <a:rPr lang="en-US" altLang="ko-KR" dirty="0">
+                <a:latin typeface="KoPub돋움체 Medium" panose="00000600000000000000" pitchFamily="2" charset="-127"/>
+                <a:ea typeface="KoPub돋움체 Medium" panose="00000600000000000000" pitchFamily="2" charset="-127"/>
+              </a:rPr>
+              <a:t>[☆ Key Point ☆]</a:t>
+            </a:r>
+          </a:p>
+          <a:p>
+            <a:pPr algn="ctr"/>
+            <a:r>
+              <a:rPr lang="en-US" altLang="ko-KR" dirty="0">
+                <a:latin typeface="KoPub돋움체 Medium" panose="00000600000000000000" pitchFamily="2" charset="-127"/>
+                <a:ea typeface="KoPub돋움체 Medium" panose="00000600000000000000" pitchFamily="2" charset="-127"/>
+              </a:rPr>
+              <a:t>The ROC curve that is closer </a:t>
+            </a:r>
+          </a:p>
+          <a:p>
+            <a:pPr algn="ctr"/>
+            <a:r>
+              <a:rPr lang="en-US" altLang="ko-KR" dirty="0">
+                <a:latin typeface="KoPub돋움체 Medium" panose="00000600000000000000" pitchFamily="2" charset="-127"/>
+                <a:ea typeface="KoPub돋움체 Medium" panose="00000600000000000000" pitchFamily="2" charset="-127"/>
+              </a:rPr>
+              <a:t>to the top left corner indicates </a:t>
+            </a:r>
+          </a:p>
+          <a:p>
+            <a:pPr algn="ctr"/>
+            <a:r>
+              <a:rPr lang="en-US" altLang="ko-KR" dirty="0">
+                <a:latin typeface="KoPub돋움체 Medium" panose="00000600000000000000" pitchFamily="2" charset="-127"/>
+                <a:ea typeface="KoPub돋움체 Medium" panose="00000600000000000000" pitchFamily="2" charset="-127"/>
+              </a:rPr>
+              <a:t>a better binary classifier!</a:t>
+            </a:r>
+            <a:endParaRPr lang="ko-KR" altLang="en-US" dirty="0">
+              <a:latin typeface="KoPub돋움체 Medium" panose="00000600000000000000" pitchFamily="2" charset="-127"/>
+              <a:ea typeface="KoPub돋움체 Medium" panose="00000600000000000000" pitchFamily="2" charset="-127"/>
+            </a:endParaRPr>
+          </a:p>
+        </p:txBody>
+      </p:sp>
+    </p:spTree>
+    <p:extLst>
+      <p:ext uri="{BB962C8B-B14F-4D97-AF65-F5344CB8AC3E}">
+        <p14:creationId xmlns:p14="http://schemas.microsoft.com/office/powerpoint/2010/main" val="3220722750"/>
+      </p:ext>
+    </p:extLst>
+  </p:cSld>
+  <p:clrMapOvr>
+    <a:masterClrMapping/>
+  </p:clrMapOvr>
+</p:sld>
+</file>
+
+<file path=ppt/slides/slide3.xml><?xml version="1.0" encoding="utf-8"?>
+<p:sld xmlns:a="http://schemas.openxmlformats.org/drawingml/2006/main" xmlns:r="http://schemas.openxmlformats.org/officeDocument/2006/relationships" xmlns:p="http://schemas.openxmlformats.org/presentationml/2006/main">
+  <p:cSld>
+    <p:spTree>
+      <p:nvGrpSpPr>
+        <p:cNvPr id="1" name=""/>
+        <p:cNvGrpSpPr/>
+        <p:nvPr/>
+      </p:nvGrpSpPr>
+      <p:grpSpPr>
+        <a:xfrm>
+          <a:off x="0" y="0"/>
+          <a:ext cx="0" cy="0"/>
+          <a:chOff x="0" y="0"/>
+          <a:chExt cx="0" cy="0"/>
+        </a:xfrm>
+      </p:grpSpPr>
       <p:sp>
         <p:nvSpPr>
           <p:cNvPr id="30" name="원호 29">
@@ -4466,6 +4664,2011 @@
   <p:clrMapOvr>
     <a:masterClrMapping/>
   </p:clrMapOvr>
+</p:sld>
+</file>
+
+<file path=ppt/slides/slide4.xml><?xml version="1.0" encoding="utf-8"?>
+<p:sld xmlns:a="http://schemas.openxmlformats.org/drawingml/2006/main" xmlns:r="http://schemas.openxmlformats.org/officeDocument/2006/relationships" xmlns:p="http://schemas.openxmlformats.org/presentationml/2006/main">
+  <p:cSld>
+    <p:spTree>
+      <p:nvGrpSpPr>
+        <p:cNvPr id="1" name=""/>
+        <p:cNvGrpSpPr/>
+        <p:nvPr/>
+      </p:nvGrpSpPr>
+      <p:grpSpPr>
+        <a:xfrm>
+          <a:off x="0" y="0"/>
+          <a:ext cx="0" cy="0"/>
+          <a:chOff x="0" y="0"/>
+          <a:chExt cx="0" cy="0"/>
+        </a:xfrm>
+      </p:grpSpPr>
+      <p:sp>
+        <p:nvSpPr>
+          <p:cNvPr id="30" name="원호 29">
+            <a:extLst>
+              <a:ext uri="{FF2B5EF4-FFF2-40B4-BE49-F238E27FC236}">
+                <a16:creationId xmlns:a16="http://schemas.microsoft.com/office/drawing/2014/main" id="{32614936-6A4A-4624-A821-10AB2009ADCF}"/>
+              </a:ext>
+            </a:extLst>
+          </p:cNvPr>
+          <p:cNvSpPr/>
+          <p:nvPr/>
+        </p:nvSpPr>
+        <p:spPr>
+          <a:xfrm>
+            <a:off x="1971460" y="1578524"/>
+            <a:ext cx="7240481" cy="7439164"/>
+          </a:xfrm>
+          <a:prstGeom prst="arc">
+            <a:avLst>
+              <a:gd name="adj1" fmla="val 10811512"/>
+              <a:gd name="adj2" fmla="val 16202148"/>
+            </a:avLst>
+          </a:prstGeom>
+          <a:ln w="3175">
+            <a:solidFill>
+              <a:srgbClr val="FF0000"/>
+            </a:solidFill>
+          </a:ln>
+          <a:effectLst>
+            <a:glow rad="228600">
+              <a:schemeClr val="accent2">
+                <a:satMod val="175000"/>
+                <a:alpha val="40000"/>
+              </a:schemeClr>
+            </a:glow>
+          </a:effectLst>
+        </p:spPr>
+        <p:style>
+          <a:lnRef idx="1">
+            <a:schemeClr val="accent1"/>
+          </a:lnRef>
+          <a:fillRef idx="0">
+            <a:schemeClr val="accent1"/>
+          </a:fillRef>
+          <a:effectRef idx="0">
+            <a:schemeClr val="accent1"/>
+          </a:effectRef>
+          <a:fontRef idx="minor">
+            <a:schemeClr val="tx1"/>
+          </a:fontRef>
+        </p:style>
+        <p:txBody>
+          <a:bodyPr rtlCol="0" anchor="ctr"/>
+          <a:lstStyle/>
+          <a:p>
+            <a:pPr algn="ctr"/>
+            <a:endParaRPr lang="ko-KR" altLang="en-US"/>
+          </a:p>
+        </p:txBody>
+      </p:sp>
+      <p:sp>
+        <p:nvSpPr>
+          <p:cNvPr id="24" name="원호 23">
+            <a:extLst>
+              <a:ext uri="{FF2B5EF4-FFF2-40B4-BE49-F238E27FC236}">
+                <a16:creationId xmlns:a16="http://schemas.microsoft.com/office/drawing/2014/main" id="{08AE33E5-6138-4EC9-B34D-A4FDF45ABE5E}"/>
+              </a:ext>
+            </a:extLst>
+          </p:cNvPr>
+          <p:cNvSpPr/>
+          <p:nvPr/>
+        </p:nvSpPr>
+        <p:spPr>
+          <a:xfrm>
+            <a:off x="1971460" y="1578524"/>
+            <a:ext cx="7240481" cy="7439164"/>
+          </a:xfrm>
+          <a:prstGeom prst="arc">
+            <a:avLst>
+              <a:gd name="adj1" fmla="val 10811512"/>
+              <a:gd name="adj2" fmla="val 16202148"/>
+            </a:avLst>
+          </a:prstGeom>
+          <a:ln w="28575">
+            <a:solidFill>
+              <a:schemeClr val="tx1"/>
+            </a:solidFill>
+          </a:ln>
+        </p:spPr>
+        <p:style>
+          <a:lnRef idx="1">
+            <a:schemeClr val="accent1"/>
+          </a:lnRef>
+          <a:fillRef idx="0">
+            <a:schemeClr val="accent1"/>
+          </a:fillRef>
+          <a:effectRef idx="0">
+            <a:schemeClr val="accent1"/>
+          </a:effectRef>
+          <a:fontRef idx="minor">
+            <a:schemeClr val="tx1"/>
+          </a:fontRef>
+        </p:style>
+        <p:txBody>
+          <a:bodyPr rtlCol="0" anchor="ctr"/>
+          <a:lstStyle/>
+          <a:p>
+            <a:pPr algn="ctr"/>
+            <a:endParaRPr lang="ko-KR" altLang="en-US"/>
+          </a:p>
+        </p:txBody>
+      </p:sp>
+      <p:cxnSp>
+        <p:nvCxnSpPr>
+          <p:cNvPr id="5" name="직선 화살표 연결선 4">
+            <a:extLst>
+              <a:ext uri="{FF2B5EF4-FFF2-40B4-BE49-F238E27FC236}">
+                <a16:creationId xmlns:a16="http://schemas.microsoft.com/office/drawing/2014/main" id="{EB4087BE-1F72-46EC-B38C-EE9751346262}"/>
+              </a:ext>
+            </a:extLst>
+          </p:cNvPr>
+          <p:cNvCxnSpPr/>
+          <p:nvPr/>
+        </p:nvCxnSpPr>
+        <p:spPr>
+          <a:xfrm flipV="1">
+            <a:off x="1970600" y="1301979"/>
+            <a:ext cx="0" cy="4252404"/>
+          </a:xfrm>
+          <a:prstGeom prst="straightConnector1">
+            <a:avLst/>
+          </a:prstGeom>
+          <a:ln w="12700">
+            <a:solidFill>
+              <a:schemeClr val="tx1"/>
+            </a:solidFill>
+            <a:tailEnd type="triangle"/>
+          </a:ln>
+        </p:spPr>
+        <p:style>
+          <a:lnRef idx="1">
+            <a:schemeClr val="accent1"/>
+          </a:lnRef>
+          <a:fillRef idx="0">
+            <a:schemeClr val="accent1"/>
+          </a:fillRef>
+          <a:effectRef idx="0">
+            <a:schemeClr val="accent1"/>
+          </a:effectRef>
+          <a:fontRef idx="minor">
+            <a:schemeClr val="tx1"/>
+          </a:fontRef>
+        </p:style>
+      </p:cxnSp>
+      <p:cxnSp>
+        <p:nvCxnSpPr>
+          <p:cNvPr id="6" name="직선 화살표 연결선 5">
+            <a:extLst>
+              <a:ext uri="{FF2B5EF4-FFF2-40B4-BE49-F238E27FC236}">
+                <a16:creationId xmlns:a16="http://schemas.microsoft.com/office/drawing/2014/main" id="{8BD9C45F-EE43-47CB-B76E-C3F23C40DE21}"/>
+              </a:ext>
+            </a:extLst>
+          </p:cNvPr>
+          <p:cNvCxnSpPr>
+            <a:cxnSpLocks/>
+          </p:cNvCxnSpPr>
+          <p:nvPr/>
+        </p:nvCxnSpPr>
+        <p:spPr>
+          <a:xfrm rot="5400000" flipV="1">
+            <a:off x="3848148" y="3158891"/>
+            <a:ext cx="0" cy="4252404"/>
+          </a:xfrm>
+          <a:prstGeom prst="straightConnector1">
+            <a:avLst/>
+          </a:prstGeom>
+          <a:ln w="12700">
+            <a:solidFill>
+              <a:schemeClr val="tx1"/>
+            </a:solidFill>
+            <a:tailEnd type="triangle"/>
+          </a:ln>
+        </p:spPr>
+        <p:style>
+          <a:lnRef idx="1">
+            <a:schemeClr val="accent1"/>
+          </a:lnRef>
+          <a:fillRef idx="0">
+            <a:schemeClr val="accent1"/>
+          </a:fillRef>
+          <a:effectRef idx="0">
+            <a:schemeClr val="accent1"/>
+          </a:effectRef>
+          <a:fontRef idx="minor">
+            <a:schemeClr val="tx1"/>
+          </a:fontRef>
+        </p:style>
+      </p:cxnSp>
+      <p:sp>
+        <p:nvSpPr>
+          <p:cNvPr id="8" name="TextBox 7">
+            <a:extLst>
+              <a:ext uri="{FF2B5EF4-FFF2-40B4-BE49-F238E27FC236}">
+                <a16:creationId xmlns:a16="http://schemas.microsoft.com/office/drawing/2014/main" id="{98435E0E-F9D9-4DA8-95BC-598D036ED508}"/>
+              </a:ext>
+            </a:extLst>
+          </p:cNvPr>
+          <p:cNvSpPr txBox="1"/>
+          <p:nvPr/>
+        </p:nvSpPr>
+        <p:spPr>
+          <a:xfrm>
+            <a:off x="2796930" y="5300333"/>
+            <a:ext cx="2102435" cy="369332"/>
+          </a:xfrm>
+          <a:prstGeom prst="rect">
+            <a:avLst/>
+          </a:prstGeom>
+          <a:noFill/>
+        </p:spPr>
+        <p:txBody>
+          <a:bodyPr wrap="none" rtlCol="0">
+            <a:spAutoFit/>
+          </a:bodyPr>
+          <a:lstStyle/>
+          <a:p>
+            <a:r>
+              <a:rPr lang="en-US" altLang="ko-KR" dirty="0"/>
+              <a:t>False Positive Rate</a:t>
+            </a:r>
+            <a:endParaRPr lang="ko-KR" altLang="en-US" dirty="0"/>
+          </a:p>
+        </p:txBody>
+      </p:sp>
+      <p:sp>
+        <p:nvSpPr>
+          <p:cNvPr id="9" name="TextBox 8">
+            <a:extLst>
+              <a:ext uri="{FF2B5EF4-FFF2-40B4-BE49-F238E27FC236}">
+                <a16:creationId xmlns:a16="http://schemas.microsoft.com/office/drawing/2014/main" id="{DBC864E1-40A1-4792-9340-681A2EA3870E}"/>
+              </a:ext>
+            </a:extLst>
+          </p:cNvPr>
+          <p:cNvSpPr txBox="1"/>
+          <p:nvPr/>
+        </p:nvSpPr>
+        <p:spPr>
+          <a:xfrm rot="16200000">
+            <a:off x="703398" y="3243515"/>
+            <a:ext cx="2037096" cy="369332"/>
+          </a:xfrm>
+          <a:prstGeom prst="rect">
+            <a:avLst/>
+          </a:prstGeom>
+          <a:noFill/>
+        </p:spPr>
+        <p:txBody>
+          <a:bodyPr wrap="none" rtlCol="0">
+            <a:spAutoFit/>
+          </a:bodyPr>
+          <a:lstStyle/>
+          <a:p>
+            <a:r>
+              <a:rPr lang="en-US" altLang="ko-KR" dirty="0"/>
+              <a:t>True Positive Rate</a:t>
+            </a:r>
+            <a:endParaRPr lang="ko-KR" altLang="en-US" dirty="0"/>
+          </a:p>
+        </p:txBody>
+      </p:sp>
+      <p:cxnSp>
+        <p:nvCxnSpPr>
+          <p:cNvPr id="11" name="직선 연결선 10">
+            <a:extLst>
+              <a:ext uri="{FF2B5EF4-FFF2-40B4-BE49-F238E27FC236}">
+                <a16:creationId xmlns:a16="http://schemas.microsoft.com/office/drawing/2014/main" id="{62AD0EA1-AC9C-4E53-9FF6-8D6BE2C512AC}"/>
+              </a:ext>
+            </a:extLst>
+          </p:cNvPr>
+          <p:cNvCxnSpPr/>
+          <p:nvPr/>
+        </p:nvCxnSpPr>
+        <p:spPr>
+          <a:xfrm>
+            <a:off x="1838033" y="1571267"/>
+            <a:ext cx="265135" cy="0"/>
+          </a:xfrm>
+          <a:prstGeom prst="line">
+            <a:avLst/>
+          </a:prstGeom>
+          <a:ln w="12700">
+            <a:solidFill>
+              <a:schemeClr val="tx1"/>
+            </a:solidFill>
+          </a:ln>
+        </p:spPr>
+        <p:style>
+          <a:lnRef idx="1">
+            <a:schemeClr val="accent1"/>
+          </a:lnRef>
+          <a:fillRef idx="0">
+            <a:schemeClr val="accent1"/>
+          </a:fillRef>
+          <a:effectRef idx="0">
+            <a:schemeClr val="accent1"/>
+          </a:effectRef>
+          <a:fontRef idx="minor">
+            <a:schemeClr val="tx1"/>
+          </a:fontRef>
+        </p:style>
+      </p:cxnSp>
+      <p:sp>
+        <p:nvSpPr>
+          <p:cNvPr id="13" name="TextBox 12">
+            <a:extLst>
+              <a:ext uri="{FF2B5EF4-FFF2-40B4-BE49-F238E27FC236}">
+                <a16:creationId xmlns:a16="http://schemas.microsoft.com/office/drawing/2014/main" id="{04FC76C8-D30F-4228-88AE-E306CED98EAB}"/>
+              </a:ext>
+            </a:extLst>
+          </p:cNvPr>
+          <p:cNvSpPr txBox="1"/>
+          <p:nvPr/>
+        </p:nvSpPr>
+        <p:spPr>
+          <a:xfrm>
+            <a:off x="1537280" y="1386601"/>
+            <a:ext cx="311304" cy="369332"/>
+          </a:xfrm>
+          <a:prstGeom prst="rect">
+            <a:avLst/>
+          </a:prstGeom>
+          <a:noFill/>
+        </p:spPr>
+        <p:txBody>
+          <a:bodyPr wrap="none" rtlCol="0">
+            <a:spAutoFit/>
+          </a:bodyPr>
+          <a:lstStyle/>
+          <a:p>
+            <a:r>
+              <a:rPr lang="en-US" altLang="ko-KR" dirty="0"/>
+              <a:t>1</a:t>
+            </a:r>
+            <a:endParaRPr lang="ko-KR" altLang="en-US" dirty="0"/>
+          </a:p>
+        </p:txBody>
+      </p:sp>
+      <p:sp>
+        <p:nvSpPr>
+          <p:cNvPr id="14" name="TextBox 13">
+            <a:extLst>
+              <a:ext uri="{FF2B5EF4-FFF2-40B4-BE49-F238E27FC236}">
+                <a16:creationId xmlns:a16="http://schemas.microsoft.com/office/drawing/2014/main" id="{A5388DE7-4AD8-46A3-BF38-FEDA796B96D2}"/>
+              </a:ext>
+            </a:extLst>
+          </p:cNvPr>
+          <p:cNvSpPr txBox="1"/>
+          <p:nvPr/>
+        </p:nvSpPr>
+        <p:spPr>
+          <a:xfrm>
+            <a:off x="5446340" y="5369717"/>
+            <a:ext cx="311304" cy="369332"/>
+          </a:xfrm>
+          <a:prstGeom prst="rect">
+            <a:avLst/>
+          </a:prstGeom>
+          <a:noFill/>
+        </p:spPr>
+        <p:txBody>
+          <a:bodyPr wrap="none" rtlCol="0">
+            <a:spAutoFit/>
+          </a:bodyPr>
+          <a:lstStyle/>
+          <a:p>
+            <a:r>
+              <a:rPr lang="en-US" altLang="ko-KR" dirty="0"/>
+              <a:t>1</a:t>
+            </a:r>
+            <a:endParaRPr lang="ko-KR" altLang="en-US" dirty="0"/>
+          </a:p>
+        </p:txBody>
+      </p:sp>
+      <p:cxnSp>
+        <p:nvCxnSpPr>
+          <p:cNvPr id="15" name="직선 연결선 14">
+            <a:extLst>
+              <a:ext uri="{FF2B5EF4-FFF2-40B4-BE49-F238E27FC236}">
+                <a16:creationId xmlns:a16="http://schemas.microsoft.com/office/drawing/2014/main" id="{0466D74D-715D-49CF-A7E1-624697159219}"/>
+              </a:ext>
+            </a:extLst>
+          </p:cNvPr>
+          <p:cNvCxnSpPr>
+            <a:cxnSpLocks/>
+          </p:cNvCxnSpPr>
+          <p:nvPr/>
+        </p:nvCxnSpPr>
+        <p:spPr>
+          <a:xfrm rot="16200000">
+            <a:off x="5470445" y="5272219"/>
+            <a:ext cx="265135" cy="0"/>
+          </a:xfrm>
+          <a:prstGeom prst="line">
+            <a:avLst/>
+          </a:prstGeom>
+          <a:ln w="12700">
+            <a:solidFill>
+              <a:schemeClr val="tx1"/>
+            </a:solidFill>
+          </a:ln>
+        </p:spPr>
+        <p:style>
+          <a:lnRef idx="1">
+            <a:schemeClr val="accent1"/>
+          </a:lnRef>
+          <a:fillRef idx="0">
+            <a:schemeClr val="accent1"/>
+          </a:fillRef>
+          <a:effectRef idx="0">
+            <a:schemeClr val="accent1"/>
+          </a:effectRef>
+          <a:fontRef idx="minor">
+            <a:schemeClr val="tx1"/>
+          </a:fontRef>
+        </p:style>
+      </p:cxnSp>
+      <p:sp>
+        <p:nvSpPr>
+          <p:cNvPr id="16" name="TextBox 15">
+            <a:extLst>
+              <a:ext uri="{FF2B5EF4-FFF2-40B4-BE49-F238E27FC236}">
+                <a16:creationId xmlns:a16="http://schemas.microsoft.com/office/drawing/2014/main" id="{815F619D-FF5E-4384-A4DC-60B22CD9D665}"/>
+              </a:ext>
+            </a:extLst>
+          </p:cNvPr>
+          <p:cNvSpPr txBox="1"/>
+          <p:nvPr/>
+        </p:nvSpPr>
+        <p:spPr>
+          <a:xfrm>
+            <a:off x="1609482" y="5363291"/>
+            <a:ext cx="311304" cy="369332"/>
+          </a:xfrm>
+          <a:prstGeom prst="rect">
+            <a:avLst/>
+          </a:prstGeom>
+          <a:noFill/>
+        </p:spPr>
+        <p:txBody>
+          <a:bodyPr wrap="none" rtlCol="0">
+            <a:spAutoFit/>
+          </a:bodyPr>
+          <a:lstStyle/>
+          <a:p>
+            <a:r>
+              <a:rPr lang="en-US" altLang="ko-KR" dirty="0"/>
+              <a:t>0</a:t>
+            </a:r>
+            <a:endParaRPr lang="ko-KR" altLang="en-US" dirty="0"/>
+          </a:p>
+        </p:txBody>
+      </p:sp>
+      <p:cxnSp>
+        <p:nvCxnSpPr>
+          <p:cNvPr id="21" name="직선 화살표 연결선 20">
+            <a:extLst>
+              <a:ext uri="{FF2B5EF4-FFF2-40B4-BE49-F238E27FC236}">
+                <a16:creationId xmlns:a16="http://schemas.microsoft.com/office/drawing/2014/main" id="{9CBE4EC5-46BB-493C-93E4-B7E601FF4847}"/>
+              </a:ext>
+            </a:extLst>
+          </p:cNvPr>
+          <p:cNvCxnSpPr/>
+          <p:nvPr/>
+        </p:nvCxnSpPr>
+        <p:spPr>
+          <a:xfrm flipV="1">
+            <a:off x="1970600" y="1571267"/>
+            <a:ext cx="3631392" cy="3700952"/>
+          </a:xfrm>
+          <a:prstGeom prst="straightConnector1">
+            <a:avLst/>
+          </a:prstGeom>
+          <a:ln>
+            <a:solidFill>
+              <a:srgbClr val="FF0000"/>
+            </a:solidFill>
+            <a:prstDash val="dash"/>
+            <a:headEnd type="none" w="med" len="med"/>
+            <a:tailEnd type="none" w="med" len="med"/>
+          </a:ln>
+        </p:spPr>
+        <p:style>
+          <a:lnRef idx="1">
+            <a:schemeClr val="accent1"/>
+          </a:lnRef>
+          <a:fillRef idx="0">
+            <a:schemeClr val="accent1"/>
+          </a:fillRef>
+          <a:effectRef idx="0">
+            <a:schemeClr val="accent1"/>
+          </a:effectRef>
+          <a:fontRef idx="minor">
+            <a:schemeClr val="tx1"/>
+          </a:fontRef>
+        </p:style>
+      </p:cxnSp>
+      <p:sp>
+        <p:nvSpPr>
+          <p:cNvPr id="25" name="직사각형 24">
+            <a:extLst>
+              <a:ext uri="{FF2B5EF4-FFF2-40B4-BE49-F238E27FC236}">
+                <a16:creationId xmlns:a16="http://schemas.microsoft.com/office/drawing/2014/main" id="{D0F64469-ED6D-40C2-A331-DF9ED0196B82}"/>
+              </a:ext>
+            </a:extLst>
+          </p:cNvPr>
+          <p:cNvSpPr/>
+          <p:nvPr/>
+        </p:nvSpPr>
+        <p:spPr>
+          <a:xfrm>
+            <a:off x="2846423" y="5377089"/>
+            <a:ext cx="1980590" cy="248298"/>
+          </a:xfrm>
+          <a:prstGeom prst="rect">
+            <a:avLst/>
+          </a:prstGeom>
+          <a:solidFill>
+            <a:srgbClr val="FFFF00">
+              <a:alpha val="14000"/>
+            </a:srgbClr>
+          </a:solidFill>
+          <a:ln>
+            <a:noFill/>
+          </a:ln>
+          <a:effectLst>
+            <a:glow rad="139700">
+              <a:schemeClr val="accent4">
+                <a:satMod val="175000"/>
+                <a:alpha val="40000"/>
+              </a:schemeClr>
+            </a:glow>
+          </a:effectLst>
+        </p:spPr>
+        <p:style>
+          <a:lnRef idx="2">
+            <a:schemeClr val="accent1">
+              <a:shade val="50000"/>
+            </a:schemeClr>
+          </a:lnRef>
+          <a:fillRef idx="1">
+            <a:schemeClr val="accent1"/>
+          </a:fillRef>
+          <a:effectRef idx="0">
+            <a:schemeClr val="accent1"/>
+          </a:effectRef>
+          <a:fontRef idx="minor">
+            <a:schemeClr val="lt1"/>
+          </a:fontRef>
+        </p:style>
+        <p:txBody>
+          <a:bodyPr rtlCol="0" anchor="ctr"/>
+          <a:lstStyle/>
+          <a:p>
+            <a:pPr algn="ctr"/>
+            <a:endParaRPr lang="ko-KR" altLang="en-US"/>
+          </a:p>
+        </p:txBody>
+      </p:sp>
+      <p:sp>
+        <p:nvSpPr>
+          <p:cNvPr id="26" name="직사각형 25">
+            <a:extLst>
+              <a:ext uri="{FF2B5EF4-FFF2-40B4-BE49-F238E27FC236}">
+                <a16:creationId xmlns:a16="http://schemas.microsoft.com/office/drawing/2014/main" id="{A3D9AC69-391C-42DE-BBA6-22B9522451A8}"/>
+              </a:ext>
+            </a:extLst>
+          </p:cNvPr>
+          <p:cNvSpPr/>
+          <p:nvPr/>
+        </p:nvSpPr>
+        <p:spPr>
+          <a:xfrm rot="16200000">
+            <a:off x="740737" y="3297594"/>
+            <a:ext cx="1980590" cy="248298"/>
+          </a:xfrm>
+          <a:prstGeom prst="rect">
+            <a:avLst/>
+          </a:prstGeom>
+          <a:solidFill>
+            <a:srgbClr val="FFFF00">
+              <a:alpha val="14000"/>
+            </a:srgbClr>
+          </a:solidFill>
+          <a:ln>
+            <a:noFill/>
+          </a:ln>
+          <a:effectLst>
+            <a:glow rad="139700">
+              <a:schemeClr val="accent4">
+                <a:satMod val="175000"/>
+                <a:alpha val="40000"/>
+              </a:schemeClr>
+            </a:glow>
+          </a:effectLst>
+        </p:spPr>
+        <p:style>
+          <a:lnRef idx="2">
+            <a:schemeClr val="accent1">
+              <a:shade val="50000"/>
+            </a:schemeClr>
+          </a:lnRef>
+          <a:fillRef idx="1">
+            <a:schemeClr val="accent1"/>
+          </a:fillRef>
+          <a:effectRef idx="0">
+            <a:schemeClr val="accent1"/>
+          </a:effectRef>
+          <a:fontRef idx="minor">
+            <a:schemeClr val="lt1"/>
+          </a:fontRef>
+        </p:style>
+        <p:txBody>
+          <a:bodyPr rtlCol="0" anchor="ctr"/>
+          <a:lstStyle/>
+          <a:p>
+            <a:pPr algn="ctr"/>
+            <a:endParaRPr lang="ko-KR" altLang="en-US"/>
+          </a:p>
+        </p:txBody>
+      </p:sp>
+      <p:sp>
+        <p:nvSpPr>
+          <p:cNvPr id="27" name="TextBox 26">
+            <a:extLst>
+              <a:ext uri="{FF2B5EF4-FFF2-40B4-BE49-F238E27FC236}">
+                <a16:creationId xmlns:a16="http://schemas.microsoft.com/office/drawing/2014/main" id="{3E4A488B-43F1-4AEB-ADE9-6B5539611BFC}"/>
+              </a:ext>
+            </a:extLst>
+          </p:cNvPr>
+          <p:cNvSpPr txBox="1"/>
+          <p:nvPr/>
+        </p:nvSpPr>
+        <p:spPr>
+          <a:xfrm>
+            <a:off x="1015585" y="3160133"/>
+            <a:ext cx="543739" cy="523220"/>
+          </a:xfrm>
+          <a:prstGeom prst="rect">
+            <a:avLst/>
+          </a:prstGeom>
+          <a:noFill/>
+        </p:spPr>
+        <p:txBody>
+          <a:bodyPr wrap="none" rtlCol="0">
+            <a:spAutoFit/>
+          </a:bodyPr>
+          <a:lstStyle/>
+          <a:p>
+            <a:r>
+              <a:rPr lang="ko-KR" altLang="en-US" sz="2800" b="1" dirty="0"/>
+              <a:t>①</a:t>
+            </a:r>
+          </a:p>
+        </p:txBody>
+      </p:sp>
+      <p:sp>
+        <p:nvSpPr>
+          <p:cNvPr id="28" name="TextBox 27">
+            <a:extLst>
+              <a:ext uri="{FF2B5EF4-FFF2-40B4-BE49-F238E27FC236}">
+                <a16:creationId xmlns:a16="http://schemas.microsoft.com/office/drawing/2014/main" id="{01AE30C8-9FBD-48FF-8B7E-EB61395134EC}"/>
+              </a:ext>
+            </a:extLst>
+          </p:cNvPr>
+          <p:cNvSpPr txBox="1"/>
+          <p:nvPr/>
+        </p:nvSpPr>
+        <p:spPr>
+          <a:xfrm>
+            <a:off x="3564848" y="5632643"/>
+            <a:ext cx="543739" cy="523220"/>
+          </a:xfrm>
+          <a:prstGeom prst="rect">
+            <a:avLst/>
+          </a:prstGeom>
+          <a:noFill/>
+        </p:spPr>
+        <p:txBody>
+          <a:bodyPr wrap="none" rtlCol="0">
+            <a:spAutoFit/>
+          </a:bodyPr>
+          <a:lstStyle/>
+          <a:p>
+            <a:r>
+              <a:rPr lang="ko-KR" altLang="en-US" sz="2800" b="1" dirty="0"/>
+              <a:t>①</a:t>
+            </a:r>
+          </a:p>
+        </p:txBody>
+      </p:sp>
+      <p:sp>
+        <p:nvSpPr>
+          <p:cNvPr id="29" name="TextBox 28">
+            <a:extLst>
+              <a:ext uri="{FF2B5EF4-FFF2-40B4-BE49-F238E27FC236}">
+                <a16:creationId xmlns:a16="http://schemas.microsoft.com/office/drawing/2014/main" id="{7648DC8C-78FA-44B3-8501-03E2019DBD0D}"/>
+              </a:ext>
+            </a:extLst>
+          </p:cNvPr>
+          <p:cNvSpPr txBox="1"/>
+          <p:nvPr/>
+        </p:nvSpPr>
+        <p:spPr>
+          <a:xfrm>
+            <a:off x="4108587" y="1173821"/>
+            <a:ext cx="543739" cy="523220"/>
+          </a:xfrm>
+          <a:prstGeom prst="rect">
+            <a:avLst/>
+          </a:prstGeom>
+          <a:noFill/>
+        </p:spPr>
+        <p:txBody>
+          <a:bodyPr wrap="none" rtlCol="0">
+            <a:spAutoFit/>
+          </a:bodyPr>
+          <a:lstStyle/>
+          <a:p>
+            <a:r>
+              <a:rPr lang="ko-KR" altLang="en-US" sz="2800" b="1" dirty="0"/>
+              <a:t>③</a:t>
+            </a:r>
+          </a:p>
+        </p:txBody>
+      </p:sp>
+      <p:sp>
+        <p:nvSpPr>
+          <p:cNvPr id="31" name="TextBox 30">
+            <a:extLst>
+              <a:ext uri="{FF2B5EF4-FFF2-40B4-BE49-F238E27FC236}">
+                <a16:creationId xmlns:a16="http://schemas.microsoft.com/office/drawing/2014/main" id="{07D3D053-865E-4EC5-B61A-D141F80DD8D9}"/>
+              </a:ext>
+            </a:extLst>
+          </p:cNvPr>
+          <p:cNvSpPr txBox="1"/>
+          <p:nvPr/>
+        </p:nvSpPr>
+        <p:spPr>
+          <a:xfrm>
+            <a:off x="2476600" y="2148023"/>
+            <a:ext cx="543739" cy="523220"/>
+          </a:xfrm>
+          <a:prstGeom prst="rect">
+            <a:avLst/>
+          </a:prstGeom>
+          <a:noFill/>
+        </p:spPr>
+        <p:txBody>
+          <a:bodyPr wrap="none" rtlCol="0">
+            <a:spAutoFit/>
+          </a:bodyPr>
+          <a:lstStyle/>
+          <a:p>
+            <a:r>
+              <a:rPr lang="ko-KR" altLang="en-US" sz="2800" b="1" dirty="0"/>
+              <a:t>②</a:t>
+            </a:r>
+          </a:p>
+        </p:txBody>
+      </p:sp>
+      <p:sp>
+        <p:nvSpPr>
+          <p:cNvPr id="32" name="타원 31">
+            <a:extLst>
+              <a:ext uri="{FF2B5EF4-FFF2-40B4-BE49-F238E27FC236}">
+                <a16:creationId xmlns:a16="http://schemas.microsoft.com/office/drawing/2014/main" id="{5D68D6CD-E9E7-4548-8CFC-1FF222A9B8D3}"/>
+              </a:ext>
+            </a:extLst>
+          </p:cNvPr>
+          <p:cNvSpPr/>
+          <p:nvPr/>
+        </p:nvSpPr>
+        <p:spPr>
+          <a:xfrm>
+            <a:off x="2882227" y="2533130"/>
+            <a:ext cx="276225" cy="276225"/>
+          </a:xfrm>
+          <a:prstGeom prst="ellipse">
+            <a:avLst/>
+          </a:prstGeom>
+          <a:solidFill>
+            <a:schemeClr val="accent6"/>
+          </a:solidFill>
+          <a:ln>
+            <a:solidFill>
+              <a:schemeClr val="tx1"/>
+            </a:solidFill>
+          </a:ln>
+          <a:effectLst>
+            <a:glow rad="139700">
+              <a:schemeClr val="accent6">
+                <a:satMod val="175000"/>
+                <a:alpha val="40000"/>
+              </a:schemeClr>
+            </a:glow>
+          </a:effectLst>
+        </p:spPr>
+        <p:style>
+          <a:lnRef idx="2">
+            <a:schemeClr val="accent1">
+              <a:shade val="50000"/>
+            </a:schemeClr>
+          </a:lnRef>
+          <a:fillRef idx="1">
+            <a:schemeClr val="accent1"/>
+          </a:fillRef>
+          <a:effectRef idx="0">
+            <a:schemeClr val="accent1"/>
+          </a:effectRef>
+          <a:fontRef idx="minor">
+            <a:schemeClr val="lt1"/>
+          </a:fontRef>
+        </p:style>
+        <p:txBody>
+          <a:bodyPr rtlCol="0" anchor="ctr"/>
+          <a:lstStyle/>
+          <a:p>
+            <a:pPr algn="ctr"/>
+            <a:endParaRPr lang="ko-KR" altLang="en-US"/>
+          </a:p>
+        </p:txBody>
+      </p:sp>
+      <p:sp>
+        <p:nvSpPr>
+          <p:cNvPr id="33" name="TextBox 32">
+            <a:extLst>
+              <a:ext uri="{FF2B5EF4-FFF2-40B4-BE49-F238E27FC236}">
+                <a16:creationId xmlns:a16="http://schemas.microsoft.com/office/drawing/2014/main" id="{93113931-DB2C-42A3-B94C-98A79F28DCA2}"/>
+              </a:ext>
+            </a:extLst>
+          </p:cNvPr>
+          <p:cNvSpPr txBox="1"/>
+          <p:nvPr/>
+        </p:nvSpPr>
+        <p:spPr>
+          <a:xfrm>
+            <a:off x="5974350" y="2920349"/>
+            <a:ext cx="5377370" cy="1323439"/>
+          </a:xfrm>
+          <a:prstGeom prst="rect">
+            <a:avLst/>
+          </a:prstGeom>
+          <a:noFill/>
+        </p:spPr>
+        <p:txBody>
+          <a:bodyPr wrap="none" rtlCol="0">
+            <a:spAutoFit/>
+          </a:bodyPr>
+          <a:lstStyle/>
+          <a:p>
+            <a:r>
+              <a:rPr lang="en-US" altLang="ko-KR" sz="2000" b="1" dirty="0"/>
+              <a:t>① True Positive Rate, False Positive Rate</a:t>
+            </a:r>
+          </a:p>
+          <a:p>
+            <a:r>
+              <a:rPr lang="en-US" altLang="ko-KR" sz="2000" b="1" dirty="0"/>
+              <a:t>② The meaning of the point on the graph</a:t>
+            </a:r>
+          </a:p>
+          <a:p>
+            <a:r>
+              <a:rPr lang="en-US" altLang="ko-KR" sz="2000" b="1" dirty="0"/>
+              <a:t>③ What does the degree of curvature </a:t>
+            </a:r>
+            <a:br>
+              <a:rPr lang="en-US" altLang="ko-KR" sz="2000" b="1" dirty="0"/>
+            </a:br>
+            <a:r>
+              <a:rPr lang="en-US" altLang="ko-KR" sz="2000" b="1" dirty="0"/>
+              <a:t>    of the graph represent?</a:t>
+            </a:r>
+            <a:endParaRPr lang="en-US" altLang="ko-KR" sz="2000" dirty="0"/>
+          </a:p>
+        </p:txBody>
+      </p:sp>
+    </p:spTree>
+    <p:extLst>
+      <p:ext uri="{BB962C8B-B14F-4D97-AF65-F5344CB8AC3E}">
+        <p14:creationId xmlns:p14="http://schemas.microsoft.com/office/powerpoint/2010/main" val="2672057865"/>
+      </p:ext>
+    </p:extLst>
+  </p:cSld>
+  <p:clrMapOvr>
+    <a:masterClrMapping/>
+  </p:clrMapOvr>
+</p:sld>
+</file>
+
+<file path=ppt/slides/slide5.xml><?xml version="1.0" encoding="utf-8"?>
+<p:sld xmlns:a="http://schemas.openxmlformats.org/drawingml/2006/main" xmlns:r="http://schemas.openxmlformats.org/officeDocument/2006/relationships" xmlns:p="http://schemas.openxmlformats.org/presentationml/2006/main">
+  <p:cSld>
+    <p:spTree>
+      <p:nvGrpSpPr>
+        <p:cNvPr id="1" name=""/>
+        <p:cNvGrpSpPr/>
+        <p:nvPr/>
+      </p:nvGrpSpPr>
+      <p:grpSpPr>
+        <a:xfrm>
+          <a:off x="0" y="0"/>
+          <a:ext cx="0" cy="0"/>
+          <a:chOff x="0" y="0"/>
+          <a:chExt cx="0" cy="0"/>
+        </a:xfrm>
+      </p:grpSpPr>
+      <p:pic>
+        <p:nvPicPr>
+          <p:cNvPr id="4" name="내용 개체 틀 3">
+            <a:extLst>
+              <a:ext uri="{FF2B5EF4-FFF2-40B4-BE49-F238E27FC236}">
+                <a16:creationId xmlns:a16="http://schemas.microsoft.com/office/drawing/2014/main" id="{DC62B80D-1D75-4202-AD1B-07DC795ED750}"/>
+              </a:ext>
+            </a:extLst>
+          </p:cNvPr>
+          <p:cNvPicPr>
+            <a:picLocks noGrp="1" noChangeAspect="1"/>
+          </p:cNvPicPr>
+          <p:nvPr>
+            <p:ph idx="1"/>
+          </p:nvPr>
+        </p:nvPicPr>
+        <p:blipFill>
+          <a:blip r:embed="rId2"/>
+          <a:stretch>
+            <a:fillRect/>
+          </a:stretch>
+        </p:blipFill>
+        <p:spPr>
+          <a:xfrm>
+            <a:off x="3154531" y="1727738"/>
+            <a:ext cx="5882938" cy="4394482"/>
+          </a:xfrm>
+          <a:prstGeom prst="rect">
+            <a:avLst/>
+          </a:prstGeom>
+        </p:spPr>
+      </p:pic>
+      <p:grpSp>
+        <p:nvGrpSpPr>
+          <p:cNvPr id="16" name="그룹 15">
+            <a:extLst>
+              <a:ext uri="{FF2B5EF4-FFF2-40B4-BE49-F238E27FC236}">
+                <a16:creationId xmlns:a16="http://schemas.microsoft.com/office/drawing/2014/main" id="{8677F9C9-AC99-4057-AD7C-F5106CC4A488}"/>
+              </a:ext>
+            </a:extLst>
+          </p:cNvPr>
+          <p:cNvGrpSpPr/>
+          <p:nvPr/>
+        </p:nvGrpSpPr>
+        <p:grpSpPr>
+          <a:xfrm>
+            <a:off x="2672138" y="1462088"/>
+            <a:ext cx="6669860" cy="3191200"/>
+            <a:chOff x="2672138" y="1462088"/>
+            <a:chExt cx="6669860" cy="3191200"/>
+          </a:xfrm>
+        </p:grpSpPr>
+        <p:cxnSp>
+          <p:nvCxnSpPr>
+            <p:cNvPr id="6" name="직선 화살표 연결선 5">
+              <a:extLst>
+                <a:ext uri="{FF2B5EF4-FFF2-40B4-BE49-F238E27FC236}">
+                  <a16:creationId xmlns:a16="http://schemas.microsoft.com/office/drawing/2014/main" id="{F0F6DA94-7671-4EEC-8714-895E7E171226}"/>
+                </a:ext>
+              </a:extLst>
+            </p:cNvPr>
+            <p:cNvCxnSpPr>
+              <a:cxnSpLocks/>
+            </p:cNvCxnSpPr>
+            <p:nvPr/>
+          </p:nvCxnSpPr>
+          <p:spPr>
+            <a:xfrm>
+              <a:off x="4483223" y="1852705"/>
+              <a:ext cx="727969" cy="1331651"/>
+            </a:xfrm>
+            <a:prstGeom prst="straightConnector1">
+              <a:avLst/>
+            </a:prstGeom>
+            <a:ln>
+              <a:tailEnd type="triangle"/>
+            </a:ln>
+          </p:spPr>
+          <p:style>
+            <a:lnRef idx="1">
+              <a:schemeClr val="accent1"/>
+            </a:lnRef>
+            <a:fillRef idx="0">
+              <a:schemeClr val="accent1"/>
+            </a:fillRef>
+            <a:effectRef idx="0">
+              <a:schemeClr val="accent1"/>
+            </a:effectRef>
+            <a:fontRef idx="minor">
+              <a:schemeClr val="tx1"/>
+            </a:fontRef>
+          </p:style>
+        </p:cxnSp>
+        <p:sp>
+          <p:nvSpPr>
+            <p:cNvPr id="8" name="TextBox 7">
+              <a:extLst>
+                <a:ext uri="{FF2B5EF4-FFF2-40B4-BE49-F238E27FC236}">
+                  <a16:creationId xmlns:a16="http://schemas.microsoft.com/office/drawing/2014/main" id="{3898492A-1AE2-4D8B-B444-94F2292AF7EF}"/>
+                </a:ext>
+              </a:extLst>
+            </p:cNvPr>
+            <p:cNvSpPr txBox="1"/>
+            <p:nvPr/>
+          </p:nvSpPr>
+          <p:spPr>
+            <a:xfrm>
+              <a:off x="3114098" y="1462088"/>
+              <a:ext cx="2406428" cy="369332"/>
+            </a:xfrm>
+            <a:prstGeom prst="rect">
+              <a:avLst/>
+            </a:prstGeom>
+            <a:noFill/>
+          </p:spPr>
+          <p:txBody>
+            <a:bodyPr wrap="none" rtlCol="0">
+              <a:spAutoFit/>
+            </a:bodyPr>
+            <a:lstStyle/>
+            <a:p>
+              <a:r>
+                <a:rPr lang="ko-KR" altLang="en-US" b="1" dirty="0">
+                  <a:solidFill>
+                    <a:schemeClr val="accent1"/>
+                  </a:solidFill>
+                  <a:latin typeface="KoPub돋움체 Bold" panose="00000800000000000000" pitchFamily="2" charset="-127"/>
+                  <a:ea typeface="KoPub돋움체 Bold" panose="00000800000000000000" pitchFamily="2" charset="-127"/>
+                </a:rPr>
+                <a:t>암에 </a:t>
+              </a:r>
+              <a:r>
+                <a:rPr lang="ko-KR" altLang="en-US" b="1">
+                  <a:solidFill>
+                    <a:schemeClr val="accent1"/>
+                  </a:solidFill>
+                  <a:latin typeface="KoPub돋움체 Bold" panose="00000800000000000000" pitchFamily="2" charset="-127"/>
+                  <a:ea typeface="KoPub돋움체 Bold" panose="00000800000000000000" pitchFamily="2" charset="-127"/>
+                </a:rPr>
+                <a:t>걸리지 않은 사람들</a:t>
+              </a:r>
+            </a:p>
+          </p:txBody>
+        </p:sp>
+        <p:sp>
+          <p:nvSpPr>
+            <p:cNvPr id="9" name="TextBox 8">
+              <a:extLst>
+                <a:ext uri="{FF2B5EF4-FFF2-40B4-BE49-F238E27FC236}">
+                  <a16:creationId xmlns:a16="http://schemas.microsoft.com/office/drawing/2014/main" id="{A66F24D0-BADD-4DC3-8C00-BA7992098CEC}"/>
+                </a:ext>
+              </a:extLst>
+            </p:cNvPr>
+            <p:cNvSpPr txBox="1"/>
+            <p:nvPr/>
+          </p:nvSpPr>
+          <p:spPr>
+            <a:xfrm>
+              <a:off x="6847439" y="1462088"/>
+              <a:ext cx="2204450" cy="369332"/>
+            </a:xfrm>
+            <a:prstGeom prst="rect">
+              <a:avLst/>
+            </a:prstGeom>
+            <a:noFill/>
+          </p:spPr>
+          <p:txBody>
+            <a:bodyPr wrap="none" rtlCol="0">
+              <a:spAutoFit/>
+            </a:bodyPr>
+            <a:lstStyle/>
+            <a:p>
+              <a:r>
+                <a:rPr lang="ko-KR" altLang="en-US" b="1">
+                  <a:solidFill>
+                    <a:schemeClr val="accent2"/>
+                  </a:solidFill>
+                  <a:latin typeface="KoPub돋움체 Bold" panose="00000800000000000000" pitchFamily="2" charset="-127"/>
+                  <a:ea typeface="KoPub돋움체 Bold" panose="00000800000000000000" pitchFamily="2" charset="-127"/>
+                </a:rPr>
+                <a:t>이미 암에 걸린 사람들</a:t>
+              </a:r>
+              <a:endParaRPr lang="ko-KR" altLang="en-US" b="1" dirty="0">
+                <a:solidFill>
+                  <a:schemeClr val="accent2"/>
+                </a:solidFill>
+                <a:latin typeface="KoPub돋움체 Bold" panose="00000800000000000000" pitchFamily="2" charset="-127"/>
+                <a:ea typeface="KoPub돋움체 Bold" panose="00000800000000000000" pitchFamily="2" charset="-127"/>
+              </a:endParaRPr>
+            </a:p>
+          </p:txBody>
+        </p:sp>
+        <p:cxnSp>
+          <p:nvCxnSpPr>
+            <p:cNvPr id="11" name="직선 화살표 연결선 10">
+              <a:extLst>
+                <a:ext uri="{FF2B5EF4-FFF2-40B4-BE49-F238E27FC236}">
+                  <a16:creationId xmlns:a16="http://schemas.microsoft.com/office/drawing/2014/main" id="{CB5215A9-A3AD-47A4-A671-A073EF929F41}"/>
+                </a:ext>
+              </a:extLst>
+            </p:cNvPr>
+            <p:cNvCxnSpPr>
+              <a:cxnSpLocks/>
+            </p:cNvCxnSpPr>
+            <p:nvPr/>
+          </p:nvCxnSpPr>
+          <p:spPr>
+            <a:xfrm flipH="1">
+              <a:off x="7221695" y="1852705"/>
+              <a:ext cx="727969" cy="1331651"/>
+            </a:xfrm>
+            <a:prstGeom prst="straightConnector1">
+              <a:avLst/>
+            </a:prstGeom>
+            <a:ln>
+              <a:solidFill>
+                <a:schemeClr val="accent2"/>
+              </a:solidFill>
+              <a:tailEnd type="triangle"/>
+            </a:ln>
+          </p:spPr>
+          <p:style>
+            <a:lnRef idx="1">
+              <a:schemeClr val="accent1"/>
+            </a:lnRef>
+            <a:fillRef idx="0">
+              <a:schemeClr val="accent1"/>
+            </a:fillRef>
+            <a:effectRef idx="0">
+              <a:schemeClr val="accent1"/>
+            </a:effectRef>
+            <a:fontRef idx="minor">
+              <a:schemeClr val="tx1"/>
+            </a:fontRef>
+          </p:style>
+        </p:cxnSp>
+        <p:sp>
+          <p:nvSpPr>
+            <p:cNvPr id="12" name="화살표: 오른쪽 11">
+              <a:extLst>
+                <a:ext uri="{FF2B5EF4-FFF2-40B4-BE49-F238E27FC236}">
+                  <a16:creationId xmlns:a16="http://schemas.microsoft.com/office/drawing/2014/main" id="{CCA52193-0B98-4977-B7AB-D15146E11814}"/>
+                </a:ext>
+              </a:extLst>
+            </p:cNvPr>
+            <p:cNvSpPr/>
+            <p:nvPr/>
+          </p:nvSpPr>
+          <p:spPr>
+            <a:xfrm>
+              <a:off x="6304246" y="4168656"/>
+              <a:ext cx="2113635" cy="484632"/>
+            </a:xfrm>
+            <a:prstGeom prst="rightArrow">
+              <a:avLst/>
+            </a:prstGeom>
+            <a:solidFill>
+              <a:srgbClr val="F8688A"/>
+            </a:solidFill>
+            <a:ln>
+              <a:noFill/>
+            </a:ln>
+          </p:spPr>
+          <p:style>
+            <a:lnRef idx="2">
+              <a:schemeClr val="accent1">
+                <a:shade val="50000"/>
+              </a:schemeClr>
+            </a:lnRef>
+            <a:fillRef idx="1">
+              <a:schemeClr val="accent1"/>
+            </a:fillRef>
+            <a:effectRef idx="0">
+              <a:schemeClr val="accent1"/>
+            </a:effectRef>
+            <a:fontRef idx="minor">
+              <a:schemeClr val="lt1"/>
+            </a:fontRef>
+          </p:style>
+          <p:txBody>
+            <a:bodyPr rtlCol="0" anchor="ctr"/>
+            <a:lstStyle/>
+            <a:p>
+              <a:pPr algn="ctr"/>
+              <a:endParaRPr lang="ko-KR" altLang="en-US"/>
+            </a:p>
+          </p:txBody>
+        </p:sp>
+        <p:sp>
+          <p:nvSpPr>
+            <p:cNvPr id="13" name="화살표: 오른쪽 12">
+              <a:extLst>
+                <a:ext uri="{FF2B5EF4-FFF2-40B4-BE49-F238E27FC236}">
+                  <a16:creationId xmlns:a16="http://schemas.microsoft.com/office/drawing/2014/main" id="{FDE64506-F647-4459-A3D7-C53660A43143}"/>
+                </a:ext>
+              </a:extLst>
+            </p:cNvPr>
+            <p:cNvSpPr/>
+            <p:nvPr/>
+          </p:nvSpPr>
+          <p:spPr>
+            <a:xfrm flipH="1">
+              <a:off x="3982365" y="4168656"/>
+              <a:ext cx="2113635" cy="484632"/>
+            </a:xfrm>
+            <a:prstGeom prst="rightArrow">
+              <a:avLst/>
+            </a:prstGeom>
+            <a:solidFill>
+              <a:srgbClr val="41C52F"/>
+            </a:solidFill>
+            <a:ln>
+              <a:noFill/>
+            </a:ln>
+          </p:spPr>
+          <p:style>
+            <a:lnRef idx="2">
+              <a:schemeClr val="accent1">
+                <a:shade val="50000"/>
+              </a:schemeClr>
+            </a:lnRef>
+            <a:fillRef idx="1">
+              <a:schemeClr val="accent1"/>
+            </a:fillRef>
+            <a:effectRef idx="0">
+              <a:schemeClr val="accent1"/>
+            </a:effectRef>
+            <a:fontRef idx="minor">
+              <a:schemeClr val="lt1"/>
+            </a:fontRef>
+          </p:style>
+          <p:txBody>
+            <a:bodyPr rtlCol="0" anchor="ctr"/>
+            <a:lstStyle/>
+            <a:p>
+              <a:pPr algn="ctr"/>
+              <a:endParaRPr lang="ko-KR" altLang="en-US"/>
+            </a:p>
+          </p:txBody>
+        </p:sp>
+        <p:sp>
+          <p:nvSpPr>
+            <p:cNvPr id="14" name="TextBox 13">
+              <a:extLst>
+                <a:ext uri="{FF2B5EF4-FFF2-40B4-BE49-F238E27FC236}">
+                  <a16:creationId xmlns:a16="http://schemas.microsoft.com/office/drawing/2014/main" id="{0989CDB3-45CE-4A9D-97D8-DFAAABF1D3DC}"/>
+                </a:ext>
+              </a:extLst>
+            </p:cNvPr>
+            <p:cNvSpPr txBox="1"/>
+            <p:nvPr/>
+          </p:nvSpPr>
+          <p:spPr>
+            <a:xfrm>
+              <a:off x="7690584" y="3726892"/>
+              <a:ext cx="1651414" cy="369332"/>
+            </a:xfrm>
+            <a:prstGeom prst="rect">
+              <a:avLst/>
+            </a:prstGeom>
+            <a:solidFill>
+              <a:schemeClr val="bg1"/>
+            </a:solidFill>
+            <a:ln>
+              <a:solidFill>
+                <a:srgbClr val="F8688A"/>
+              </a:solidFill>
+            </a:ln>
+          </p:spPr>
+          <p:txBody>
+            <a:bodyPr wrap="none" rtlCol="0">
+              <a:spAutoFit/>
+            </a:bodyPr>
+            <a:lstStyle/>
+            <a:p>
+              <a:r>
+                <a:rPr lang="ko-KR" altLang="en-US">
+                  <a:solidFill>
+                    <a:srgbClr val="F8688A"/>
+                  </a:solidFill>
+                </a:rPr>
+                <a:t>암환자로 판정</a:t>
+              </a:r>
+            </a:p>
+          </p:txBody>
+        </p:sp>
+        <p:sp>
+          <p:nvSpPr>
+            <p:cNvPr id="15" name="TextBox 14">
+              <a:extLst>
+                <a:ext uri="{FF2B5EF4-FFF2-40B4-BE49-F238E27FC236}">
+                  <a16:creationId xmlns:a16="http://schemas.microsoft.com/office/drawing/2014/main" id="{8955F597-C653-4AA6-A4D8-71E08ACA9AC0}"/>
+                </a:ext>
+              </a:extLst>
+            </p:cNvPr>
+            <p:cNvSpPr txBox="1"/>
+            <p:nvPr/>
+          </p:nvSpPr>
+          <p:spPr>
+            <a:xfrm>
+              <a:off x="2672138" y="3726892"/>
+              <a:ext cx="2969083" cy="369332"/>
+            </a:xfrm>
+            <a:prstGeom prst="rect">
+              <a:avLst/>
+            </a:prstGeom>
+            <a:solidFill>
+              <a:schemeClr val="bg1"/>
+            </a:solidFill>
+            <a:ln>
+              <a:solidFill>
+                <a:srgbClr val="41C52F"/>
+              </a:solidFill>
+            </a:ln>
+          </p:spPr>
+          <p:txBody>
+            <a:bodyPr wrap="none" rtlCol="0">
+              <a:spAutoFit/>
+            </a:bodyPr>
+            <a:lstStyle/>
+            <a:p>
+              <a:r>
+                <a:rPr lang="ko-KR" altLang="en-US">
+                  <a:solidFill>
+                    <a:srgbClr val="41C52F"/>
+                  </a:solidFill>
+                </a:rPr>
+                <a:t>암환자가 아닌 것으로 판정</a:t>
+              </a:r>
+              <a:endParaRPr lang="ko-KR" altLang="en-US" dirty="0">
+                <a:solidFill>
+                  <a:srgbClr val="41C52F"/>
+                </a:solidFill>
+              </a:endParaRPr>
+            </a:p>
+          </p:txBody>
+        </p:sp>
+      </p:grpSp>
+    </p:spTree>
+    <p:extLst>
+      <p:ext uri="{BB962C8B-B14F-4D97-AF65-F5344CB8AC3E}">
+        <p14:creationId xmlns:p14="http://schemas.microsoft.com/office/powerpoint/2010/main" val="3749884355"/>
+      </p:ext>
+    </p:extLst>
+  </p:cSld>
+  <p:clrMapOvr>
+    <a:masterClrMapping/>
+  </p:clrMapOvr>
+  <p:timing>
+    <p:tnLst>
+      <p:par>
+        <p:cTn id="1" dur="indefinite" restart="never" nodeType="tmRoot">
+          <p:childTnLst>
+            <p:seq concurrent="1" nextAc="seek">
+              <p:cTn id="2" dur="indefinite" nodeType="mainSeq">
+                <p:childTnLst>
+                  <p:par>
+                    <p:cTn id="3" fill="hold">
+                      <p:stCondLst>
+                        <p:cond delay="indefinite"/>
+                      </p:stCondLst>
+                      <p:childTnLst>
+                        <p:par>
+                          <p:cTn id="4" fill="hold">
+                            <p:stCondLst>
+                              <p:cond delay="0"/>
+                            </p:stCondLst>
+                            <p:childTnLst>
+                              <p:par>
+                                <p:cTn id="5" presetID="1" presetClass="entr" presetSubtype="0" fill="hold" nodeType="clickEffect">
+                                  <p:stCondLst>
+                                    <p:cond delay="0"/>
+                                  </p:stCondLst>
+                                  <p:childTnLst>
+                                    <p:set>
+                                      <p:cBhvr>
+                                        <p:cTn id="6" dur="1" fill="hold">
+                                          <p:stCondLst>
+                                            <p:cond delay="0"/>
+                                          </p:stCondLst>
+                                        </p:cTn>
+                                        <p:tgtEl>
+                                          <p:spTgt spid="16"/>
+                                        </p:tgtEl>
+                                        <p:attrNameLst>
+                                          <p:attrName>style.visibility</p:attrName>
+                                        </p:attrNameLst>
+                                      </p:cBhvr>
+                                      <p:to>
+                                        <p:strVal val="visible"/>
+                                      </p:to>
+                                    </p:set>
+                                  </p:childTnLst>
+                                </p:cTn>
+                              </p:par>
+                            </p:childTnLst>
+                          </p:cTn>
+                        </p:par>
+                      </p:childTnLst>
+                    </p:cTn>
+                  </p:par>
+                </p:childTnLst>
+              </p:cTn>
+              <p:prevCondLst>
+                <p:cond evt="onPrev" delay="0">
+                  <p:tgtEl>
+                    <p:sldTgt/>
+                  </p:tgtEl>
+                </p:cond>
+              </p:prevCondLst>
+              <p:nextCondLst>
+                <p:cond evt="onNext" delay="0">
+                  <p:tgtEl>
+                    <p:sldTgt/>
+                  </p:tgtEl>
+                </p:cond>
+              </p:nextCondLst>
+            </p:seq>
+          </p:childTnLst>
+        </p:cTn>
+      </p:par>
+    </p:tnLst>
+  </p:timing>
+</p:sld>
+</file>
+
+<file path=ppt/slides/slide6.xml><?xml version="1.0" encoding="utf-8"?>
+<p:sld xmlns:a="http://schemas.openxmlformats.org/drawingml/2006/main" xmlns:r="http://schemas.openxmlformats.org/officeDocument/2006/relationships" xmlns:p="http://schemas.openxmlformats.org/presentationml/2006/main">
+  <p:cSld>
+    <p:spTree>
+      <p:nvGrpSpPr>
+        <p:cNvPr id="1" name=""/>
+        <p:cNvGrpSpPr/>
+        <p:nvPr/>
+      </p:nvGrpSpPr>
+      <p:grpSpPr>
+        <a:xfrm>
+          <a:off x="0" y="0"/>
+          <a:ext cx="0" cy="0"/>
+          <a:chOff x="0" y="0"/>
+          <a:chExt cx="0" cy="0"/>
+        </a:xfrm>
+      </p:grpSpPr>
+      <p:pic>
+        <p:nvPicPr>
+          <p:cNvPr id="4" name="내용 개체 틀 3">
+            <a:extLst>
+              <a:ext uri="{FF2B5EF4-FFF2-40B4-BE49-F238E27FC236}">
+                <a16:creationId xmlns:a16="http://schemas.microsoft.com/office/drawing/2014/main" id="{DC62B80D-1D75-4202-AD1B-07DC795ED750}"/>
+              </a:ext>
+            </a:extLst>
+          </p:cNvPr>
+          <p:cNvPicPr>
+            <a:picLocks noGrp="1" noChangeAspect="1"/>
+          </p:cNvPicPr>
+          <p:nvPr>
+            <p:ph idx="1"/>
+          </p:nvPr>
+        </p:nvPicPr>
+        <p:blipFill>
+          <a:blip r:embed="rId2"/>
+          <a:stretch>
+            <a:fillRect/>
+          </a:stretch>
+        </p:blipFill>
+        <p:spPr>
+          <a:xfrm>
+            <a:off x="3154531" y="1727738"/>
+            <a:ext cx="5882938" cy="4394482"/>
+          </a:xfrm>
+          <a:prstGeom prst="rect">
+            <a:avLst/>
+          </a:prstGeom>
+        </p:spPr>
+      </p:pic>
+      <p:grpSp>
+        <p:nvGrpSpPr>
+          <p:cNvPr id="16" name="그룹 15">
+            <a:extLst>
+              <a:ext uri="{FF2B5EF4-FFF2-40B4-BE49-F238E27FC236}">
+                <a16:creationId xmlns:a16="http://schemas.microsoft.com/office/drawing/2014/main" id="{8677F9C9-AC99-4057-AD7C-F5106CC4A488}"/>
+              </a:ext>
+            </a:extLst>
+          </p:cNvPr>
+          <p:cNvGrpSpPr/>
+          <p:nvPr/>
+        </p:nvGrpSpPr>
+        <p:grpSpPr>
+          <a:xfrm>
+            <a:off x="1784247" y="1462088"/>
+            <a:ext cx="8287603" cy="3191200"/>
+            <a:chOff x="1784247" y="1462088"/>
+            <a:chExt cx="8287603" cy="3191200"/>
+          </a:xfrm>
+        </p:grpSpPr>
+        <p:cxnSp>
+          <p:nvCxnSpPr>
+            <p:cNvPr id="6" name="직선 화살표 연결선 5">
+              <a:extLst>
+                <a:ext uri="{FF2B5EF4-FFF2-40B4-BE49-F238E27FC236}">
+                  <a16:creationId xmlns:a16="http://schemas.microsoft.com/office/drawing/2014/main" id="{F0F6DA94-7671-4EEC-8714-895E7E171226}"/>
+                </a:ext>
+              </a:extLst>
+            </p:cNvPr>
+            <p:cNvCxnSpPr>
+              <a:cxnSpLocks/>
+            </p:cNvCxnSpPr>
+            <p:nvPr/>
+          </p:nvCxnSpPr>
+          <p:spPr>
+            <a:xfrm>
+              <a:off x="4483223" y="1852705"/>
+              <a:ext cx="727969" cy="1331651"/>
+            </a:xfrm>
+            <a:prstGeom prst="straightConnector1">
+              <a:avLst/>
+            </a:prstGeom>
+            <a:ln>
+              <a:tailEnd type="triangle"/>
+            </a:ln>
+          </p:spPr>
+          <p:style>
+            <a:lnRef idx="1">
+              <a:schemeClr val="accent1"/>
+            </a:lnRef>
+            <a:fillRef idx="0">
+              <a:schemeClr val="accent1"/>
+            </a:fillRef>
+            <a:effectRef idx="0">
+              <a:schemeClr val="accent1"/>
+            </a:effectRef>
+            <a:fontRef idx="minor">
+              <a:schemeClr val="tx1"/>
+            </a:fontRef>
+          </p:style>
+        </p:cxnSp>
+        <p:sp>
+          <p:nvSpPr>
+            <p:cNvPr id="8" name="TextBox 7">
+              <a:extLst>
+                <a:ext uri="{FF2B5EF4-FFF2-40B4-BE49-F238E27FC236}">
+                  <a16:creationId xmlns:a16="http://schemas.microsoft.com/office/drawing/2014/main" id="{3898492A-1AE2-4D8B-B444-94F2292AF7EF}"/>
+                </a:ext>
+              </a:extLst>
+            </p:cNvPr>
+            <p:cNvSpPr txBox="1"/>
+            <p:nvPr/>
+          </p:nvSpPr>
+          <p:spPr>
+            <a:xfrm>
+              <a:off x="3206864" y="1462088"/>
+              <a:ext cx="2486258" cy="369332"/>
+            </a:xfrm>
+            <a:prstGeom prst="rect">
+              <a:avLst/>
+            </a:prstGeom>
+            <a:noFill/>
+          </p:spPr>
+          <p:txBody>
+            <a:bodyPr wrap="none" rtlCol="0">
+              <a:spAutoFit/>
+            </a:bodyPr>
+            <a:lstStyle/>
+            <a:p>
+              <a:r>
+                <a:rPr lang="en-US" altLang="ko-KR" b="1" dirty="0">
+                  <a:solidFill>
+                    <a:schemeClr val="accent1"/>
+                  </a:solidFill>
+                  <a:latin typeface="KoPub돋움체 Bold" panose="00000800000000000000" pitchFamily="2" charset="-127"/>
+                  <a:ea typeface="KoPub돋움체 Bold" panose="00000800000000000000" pitchFamily="2" charset="-127"/>
+                </a:rPr>
+                <a:t>People without cancer</a:t>
+              </a:r>
+              <a:endParaRPr lang="ko-KR" altLang="en-US" b="1" dirty="0">
+                <a:solidFill>
+                  <a:schemeClr val="accent1"/>
+                </a:solidFill>
+                <a:latin typeface="KoPub돋움체 Bold" panose="00000800000000000000" pitchFamily="2" charset="-127"/>
+                <a:ea typeface="KoPub돋움체 Bold" panose="00000800000000000000" pitchFamily="2" charset="-127"/>
+              </a:endParaRPr>
+            </a:p>
+          </p:txBody>
+        </p:sp>
+        <p:sp>
+          <p:nvSpPr>
+            <p:cNvPr id="9" name="TextBox 8">
+              <a:extLst>
+                <a:ext uri="{FF2B5EF4-FFF2-40B4-BE49-F238E27FC236}">
+                  <a16:creationId xmlns:a16="http://schemas.microsoft.com/office/drawing/2014/main" id="{A66F24D0-BADD-4DC3-8C00-BA7992098CEC}"/>
+                </a:ext>
+              </a:extLst>
+            </p:cNvPr>
+            <p:cNvSpPr txBox="1"/>
+            <p:nvPr/>
+          </p:nvSpPr>
+          <p:spPr>
+            <a:xfrm>
+              <a:off x="6860690" y="1462088"/>
+              <a:ext cx="2151230" cy="369332"/>
+            </a:xfrm>
+            <a:prstGeom prst="rect">
+              <a:avLst/>
+            </a:prstGeom>
+            <a:noFill/>
+          </p:spPr>
+          <p:txBody>
+            <a:bodyPr wrap="none" rtlCol="0">
+              <a:spAutoFit/>
+            </a:bodyPr>
+            <a:lstStyle/>
+            <a:p>
+              <a:r>
+                <a:rPr lang="en-US" altLang="ko-KR" b="1" dirty="0">
+                  <a:solidFill>
+                    <a:schemeClr val="accent2"/>
+                  </a:solidFill>
+                  <a:latin typeface="KoPub돋움체 Bold" panose="00000800000000000000" pitchFamily="2" charset="-127"/>
+                  <a:ea typeface="KoPub돋움체 Bold" panose="00000800000000000000" pitchFamily="2" charset="-127"/>
+                </a:rPr>
+                <a:t>People with cancer</a:t>
+              </a:r>
+              <a:endParaRPr lang="ko-KR" altLang="en-US" b="1" dirty="0">
+                <a:solidFill>
+                  <a:schemeClr val="accent2"/>
+                </a:solidFill>
+                <a:latin typeface="KoPub돋움체 Bold" panose="00000800000000000000" pitchFamily="2" charset="-127"/>
+                <a:ea typeface="KoPub돋움체 Bold" panose="00000800000000000000" pitchFamily="2" charset="-127"/>
+              </a:endParaRPr>
+            </a:p>
+          </p:txBody>
+        </p:sp>
+        <p:cxnSp>
+          <p:nvCxnSpPr>
+            <p:cNvPr id="11" name="직선 화살표 연결선 10">
+              <a:extLst>
+                <a:ext uri="{FF2B5EF4-FFF2-40B4-BE49-F238E27FC236}">
+                  <a16:creationId xmlns:a16="http://schemas.microsoft.com/office/drawing/2014/main" id="{CB5215A9-A3AD-47A4-A671-A073EF929F41}"/>
+                </a:ext>
+              </a:extLst>
+            </p:cNvPr>
+            <p:cNvCxnSpPr>
+              <a:cxnSpLocks/>
+            </p:cNvCxnSpPr>
+            <p:nvPr/>
+          </p:nvCxnSpPr>
+          <p:spPr>
+            <a:xfrm flipH="1">
+              <a:off x="7221695" y="1852705"/>
+              <a:ext cx="727969" cy="1331651"/>
+            </a:xfrm>
+            <a:prstGeom prst="straightConnector1">
+              <a:avLst/>
+            </a:prstGeom>
+            <a:ln>
+              <a:solidFill>
+                <a:schemeClr val="accent2"/>
+              </a:solidFill>
+              <a:tailEnd type="triangle"/>
+            </a:ln>
+          </p:spPr>
+          <p:style>
+            <a:lnRef idx="1">
+              <a:schemeClr val="accent1"/>
+            </a:lnRef>
+            <a:fillRef idx="0">
+              <a:schemeClr val="accent1"/>
+            </a:fillRef>
+            <a:effectRef idx="0">
+              <a:schemeClr val="accent1"/>
+            </a:effectRef>
+            <a:fontRef idx="minor">
+              <a:schemeClr val="tx1"/>
+            </a:fontRef>
+          </p:style>
+        </p:cxnSp>
+        <p:sp>
+          <p:nvSpPr>
+            <p:cNvPr id="12" name="화살표: 오른쪽 11">
+              <a:extLst>
+                <a:ext uri="{FF2B5EF4-FFF2-40B4-BE49-F238E27FC236}">
+                  <a16:creationId xmlns:a16="http://schemas.microsoft.com/office/drawing/2014/main" id="{CCA52193-0B98-4977-B7AB-D15146E11814}"/>
+                </a:ext>
+              </a:extLst>
+            </p:cNvPr>
+            <p:cNvSpPr/>
+            <p:nvPr/>
+          </p:nvSpPr>
+          <p:spPr>
+            <a:xfrm>
+              <a:off x="6304246" y="4168656"/>
+              <a:ext cx="2113635" cy="484632"/>
+            </a:xfrm>
+            <a:prstGeom prst="rightArrow">
+              <a:avLst/>
+            </a:prstGeom>
+            <a:solidFill>
+              <a:srgbClr val="F8688A"/>
+            </a:solidFill>
+            <a:ln>
+              <a:noFill/>
+            </a:ln>
+          </p:spPr>
+          <p:style>
+            <a:lnRef idx="2">
+              <a:schemeClr val="accent1">
+                <a:shade val="50000"/>
+              </a:schemeClr>
+            </a:lnRef>
+            <a:fillRef idx="1">
+              <a:schemeClr val="accent1"/>
+            </a:fillRef>
+            <a:effectRef idx="0">
+              <a:schemeClr val="accent1"/>
+            </a:effectRef>
+            <a:fontRef idx="minor">
+              <a:schemeClr val="lt1"/>
+            </a:fontRef>
+          </p:style>
+          <p:txBody>
+            <a:bodyPr rtlCol="0" anchor="ctr"/>
+            <a:lstStyle/>
+            <a:p>
+              <a:pPr algn="ctr"/>
+              <a:endParaRPr lang="ko-KR" altLang="en-US"/>
+            </a:p>
+          </p:txBody>
+        </p:sp>
+        <p:sp>
+          <p:nvSpPr>
+            <p:cNvPr id="13" name="화살표: 오른쪽 12">
+              <a:extLst>
+                <a:ext uri="{FF2B5EF4-FFF2-40B4-BE49-F238E27FC236}">
+                  <a16:creationId xmlns:a16="http://schemas.microsoft.com/office/drawing/2014/main" id="{FDE64506-F647-4459-A3D7-C53660A43143}"/>
+                </a:ext>
+              </a:extLst>
+            </p:cNvPr>
+            <p:cNvSpPr/>
+            <p:nvPr/>
+          </p:nvSpPr>
+          <p:spPr>
+            <a:xfrm flipH="1">
+              <a:off x="3982365" y="4168656"/>
+              <a:ext cx="2113635" cy="484632"/>
+            </a:xfrm>
+            <a:prstGeom prst="rightArrow">
+              <a:avLst/>
+            </a:prstGeom>
+            <a:solidFill>
+              <a:srgbClr val="41C52F"/>
+            </a:solidFill>
+            <a:ln>
+              <a:noFill/>
+            </a:ln>
+          </p:spPr>
+          <p:style>
+            <a:lnRef idx="2">
+              <a:schemeClr val="accent1">
+                <a:shade val="50000"/>
+              </a:schemeClr>
+            </a:lnRef>
+            <a:fillRef idx="1">
+              <a:schemeClr val="accent1"/>
+            </a:fillRef>
+            <a:effectRef idx="0">
+              <a:schemeClr val="accent1"/>
+            </a:effectRef>
+            <a:fontRef idx="minor">
+              <a:schemeClr val="lt1"/>
+            </a:fontRef>
+          </p:style>
+          <p:txBody>
+            <a:bodyPr rtlCol="0" anchor="ctr"/>
+            <a:lstStyle/>
+            <a:p>
+              <a:pPr algn="ctr"/>
+              <a:endParaRPr lang="ko-KR" altLang="en-US"/>
+            </a:p>
+          </p:txBody>
+        </p:sp>
+        <p:sp>
+          <p:nvSpPr>
+            <p:cNvPr id="14" name="TextBox 13">
+              <a:extLst>
+                <a:ext uri="{FF2B5EF4-FFF2-40B4-BE49-F238E27FC236}">
+                  <a16:creationId xmlns:a16="http://schemas.microsoft.com/office/drawing/2014/main" id="{0989CDB3-45CE-4A9D-97D8-DFAAABF1D3DC}"/>
+                </a:ext>
+              </a:extLst>
+            </p:cNvPr>
+            <p:cNvSpPr txBox="1"/>
+            <p:nvPr/>
+          </p:nvSpPr>
+          <p:spPr>
+            <a:xfrm>
+              <a:off x="6352114" y="3726892"/>
+              <a:ext cx="3719736" cy="369332"/>
+            </a:xfrm>
+            <a:prstGeom prst="rect">
+              <a:avLst/>
+            </a:prstGeom>
+            <a:solidFill>
+              <a:schemeClr val="bg1"/>
+            </a:solidFill>
+            <a:ln>
+              <a:solidFill>
+                <a:srgbClr val="F8688A"/>
+              </a:solidFill>
+            </a:ln>
+          </p:spPr>
+          <p:txBody>
+            <a:bodyPr wrap="none" rtlCol="0">
+              <a:spAutoFit/>
+            </a:bodyPr>
+            <a:lstStyle/>
+            <a:p>
+              <a:r>
+                <a:rPr lang="en-US" altLang="ko-KR" dirty="0">
+                  <a:solidFill>
+                    <a:srgbClr val="F8688A"/>
+                  </a:solidFill>
+                </a:rPr>
+                <a:t>Determined to be cancer patients</a:t>
+              </a:r>
+              <a:endParaRPr lang="ko-KR" altLang="en-US" dirty="0">
+                <a:solidFill>
+                  <a:srgbClr val="F8688A"/>
+                </a:solidFill>
+              </a:endParaRPr>
+            </a:p>
+          </p:txBody>
+        </p:sp>
+        <p:sp>
+          <p:nvSpPr>
+            <p:cNvPr id="15" name="TextBox 14">
+              <a:extLst>
+                <a:ext uri="{FF2B5EF4-FFF2-40B4-BE49-F238E27FC236}">
+                  <a16:creationId xmlns:a16="http://schemas.microsoft.com/office/drawing/2014/main" id="{8955F597-C653-4AA6-A4D8-71E08ACA9AC0}"/>
+                </a:ext>
+              </a:extLst>
+            </p:cNvPr>
+            <p:cNvSpPr txBox="1"/>
+            <p:nvPr/>
+          </p:nvSpPr>
+          <p:spPr>
+            <a:xfrm>
+              <a:off x="1784247" y="3726892"/>
+              <a:ext cx="4268028" cy="369332"/>
+            </a:xfrm>
+            <a:prstGeom prst="rect">
+              <a:avLst/>
+            </a:prstGeom>
+            <a:solidFill>
+              <a:schemeClr val="bg1"/>
+            </a:solidFill>
+            <a:ln>
+              <a:solidFill>
+                <a:srgbClr val="41C52F"/>
+              </a:solidFill>
+            </a:ln>
+          </p:spPr>
+          <p:txBody>
+            <a:bodyPr wrap="none" rtlCol="0">
+              <a:spAutoFit/>
+            </a:bodyPr>
+            <a:lstStyle/>
+            <a:p>
+              <a:r>
+                <a:rPr lang="en-US" altLang="ko-KR" dirty="0">
+                  <a:solidFill>
+                    <a:srgbClr val="41C52F"/>
+                  </a:solidFill>
+                </a:rPr>
+                <a:t>Determined NOT to be cancer patients</a:t>
+              </a:r>
+              <a:endParaRPr lang="ko-KR" altLang="en-US" dirty="0">
+                <a:solidFill>
+                  <a:srgbClr val="41C52F"/>
+                </a:solidFill>
+              </a:endParaRPr>
+            </a:p>
+          </p:txBody>
+        </p:sp>
+      </p:grpSp>
+    </p:spTree>
+    <p:extLst>
+      <p:ext uri="{BB962C8B-B14F-4D97-AF65-F5344CB8AC3E}">
+        <p14:creationId xmlns:p14="http://schemas.microsoft.com/office/powerpoint/2010/main" val="1629970243"/>
+      </p:ext>
+    </p:extLst>
+  </p:cSld>
+  <p:clrMapOvr>
+    <a:masterClrMapping/>
+  </p:clrMapOvr>
+  <p:timing>
+    <p:tnLst>
+      <p:par>
+        <p:cTn id="1" dur="indefinite" restart="never" nodeType="tmRoot">
+          <p:childTnLst>
+            <p:seq concurrent="1" nextAc="seek">
+              <p:cTn id="2" dur="indefinite" nodeType="mainSeq">
+                <p:childTnLst>
+                  <p:par>
+                    <p:cTn id="3" fill="hold">
+                      <p:stCondLst>
+                        <p:cond delay="indefinite"/>
+                      </p:stCondLst>
+                      <p:childTnLst>
+                        <p:par>
+                          <p:cTn id="4" fill="hold">
+                            <p:stCondLst>
+                              <p:cond delay="0"/>
+                            </p:stCondLst>
+                            <p:childTnLst>
+                              <p:par>
+                                <p:cTn id="5" presetID="1" presetClass="entr" presetSubtype="0" fill="hold" nodeType="clickEffect">
+                                  <p:stCondLst>
+                                    <p:cond delay="0"/>
+                                  </p:stCondLst>
+                                  <p:childTnLst>
+                                    <p:set>
+                                      <p:cBhvr>
+                                        <p:cTn id="6" dur="1" fill="hold">
+                                          <p:stCondLst>
+                                            <p:cond delay="0"/>
+                                          </p:stCondLst>
+                                        </p:cTn>
+                                        <p:tgtEl>
+                                          <p:spTgt spid="16"/>
+                                        </p:tgtEl>
+                                        <p:attrNameLst>
+                                          <p:attrName>style.visibility</p:attrName>
+                                        </p:attrNameLst>
+                                      </p:cBhvr>
+                                      <p:to>
+                                        <p:strVal val="visible"/>
+                                      </p:to>
+                                    </p:set>
+                                  </p:childTnLst>
+                                </p:cTn>
+                              </p:par>
+                            </p:childTnLst>
+                          </p:cTn>
+                        </p:par>
+                      </p:childTnLst>
+                    </p:cTn>
+                  </p:par>
+                </p:childTnLst>
+              </p:cTn>
+              <p:prevCondLst>
+                <p:cond evt="onPrev" delay="0">
+                  <p:tgtEl>
+                    <p:sldTgt/>
+                  </p:tgtEl>
+                </p:cond>
+              </p:prevCondLst>
+              <p:nextCondLst>
+                <p:cond evt="onNext" delay="0">
+                  <p:tgtEl>
+                    <p:sldTgt/>
+                  </p:tgtEl>
+                </p:cond>
+              </p:nextCondLst>
+            </p:seq>
+          </p:childTnLst>
+        </p:cTn>
+      </p:par>
+    </p:tnLst>
+  </p:timing>
 </p:sld>
 </file>
 
